--- a/vignettes/avg-impact-vs-fy-ending-vs-Quintile.pptx
+++ b/vignettes/avg-impact-vs-fy-ending-vs-Quintile.pptx
@@ -10,7 +10,7 @@
   <p:sldIdLst>
     <p:sldId id="400" r:id="rId2"/>
     <p:sldId id="444" r:id="rId3"/>
-    <p:sldId id="82134535" r:id="rId10"/>
+    <p:sldId id="637989758" r:id="rId10"/>
   </p:sldIdLst>
   <p:sldSz cx="9144000" cy="6858000" type="screen4x3"/>
   <p:notesSz cx="6797675" cy="9928225"/>
@@ -2387,21 +2387,21 @@
           </p:nvSpPr>
           <p:spPr>
             <a:xfrm>
-              <a:off x="1842934" y="5589837"/>
-              <a:ext cx="6021055" cy="0"/>
+              <a:off x="1525149" y="5290590"/>
+              <a:ext cx="5512621" cy="0"/>
             </a:xfrm>
             <a:custGeom>
               <a:avLst/>
               <a:pathLst>
-                <a:path w="6021055" h="0">
+                <a:path w="5512621" h="0">
                   <a:moveTo>
                     <a:pt x="0" y="0"/>
                   </a:moveTo>
                   <a:lnTo>
-                    <a:pt x="6021055" y="0"/>
+                    <a:pt x="5512621" y="0"/>
                   </a:lnTo>
                   <a:lnTo>
-                    <a:pt x="6021055" y="0"/>
+                    <a:pt x="5512621" y="0"/>
                   </a:lnTo>
                 </a:path>
               </a:pathLst>
@@ -2430,21 +2430,21 @@
           </p:nvSpPr>
           <p:spPr>
             <a:xfrm>
-              <a:off x="1842934" y="4774521"/>
-              <a:ext cx="6021055" cy="0"/>
+              <a:off x="1525149" y="3809582"/>
+              <a:ext cx="5512621" cy="0"/>
             </a:xfrm>
             <a:custGeom>
               <a:avLst/>
               <a:pathLst>
-                <a:path w="6021055" h="0">
+                <a:path w="5512621" h="0">
                   <a:moveTo>
                     <a:pt x="0" y="0"/>
                   </a:moveTo>
                   <a:lnTo>
-                    <a:pt x="6021055" y="0"/>
+                    <a:pt x="5512621" y="0"/>
                   </a:lnTo>
                   <a:lnTo>
-                    <a:pt x="6021055" y="0"/>
+                    <a:pt x="5512621" y="0"/>
                   </a:lnTo>
                 </a:path>
               </a:pathLst>
@@ -2473,21 +2473,21 @@
           </p:nvSpPr>
           <p:spPr>
             <a:xfrm>
-              <a:off x="1842934" y="3959206"/>
-              <a:ext cx="6021055" cy="0"/>
+              <a:off x="1525149" y="2328574"/>
+              <a:ext cx="5512621" cy="0"/>
             </a:xfrm>
             <a:custGeom>
               <a:avLst/>
               <a:pathLst>
-                <a:path w="6021055" h="0">
+                <a:path w="5512621" h="0">
                   <a:moveTo>
                     <a:pt x="0" y="0"/>
                   </a:moveTo>
                   <a:lnTo>
-                    <a:pt x="6021055" y="0"/>
+                    <a:pt x="5512621" y="0"/>
                   </a:lnTo>
                   <a:lnTo>
-                    <a:pt x="6021055" y="0"/>
+                    <a:pt x="5512621" y="0"/>
                   </a:lnTo>
                 </a:path>
               </a:pathLst>
@@ -2510,83 +2510,49 @@
         </p:sp>
         <p:sp>
           <p:nvSpPr>
-            <p:cNvPr id="7" name="pl7"/>
-            <p:cNvSpPr/>
-            <p:nvPr/>
-          </p:nvSpPr>
-          <p:spPr>
-            <a:xfrm>
-              <a:off x="1842934" y="3143890"/>
-              <a:ext cx="6021055" cy="0"/>
-            </a:xfrm>
-            <a:custGeom>
-              <a:avLst/>
-              <a:pathLst>
-                <a:path w="6021055" h="0">
-                  <a:moveTo>
-                    <a:pt x="0" y="0"/>
-                  </a:moveTo>
-                  <a:lnTo>
-                    <a:pt x="6021055" y="0"/>
-                  </a:lnTo>
-                  <a:lnTo>
-                    <a:pt x="6021055" y="0"/>
-                  </a:lnTo>
-                </a:path>
-              </a:pathLst>
-            </a:custGeom>
-            <a:ln w="13550" cap="flat">
-              <a:solidFill>
-                <a:srgbClr val="DADADA">
-                  <a:alpha val="100000"/>
-                </a:srgbClr>
-              </a:solidFill>
-              <a:prstDash val="solid"/>
-              <a:round/>
-            </a:ln>
-          </p:spPr>
-          <p:txBody>
-            <a:bodyPr/>
-            <a:lstStyle/>
-            <a:p/>
-          </p:txBody>
-        </p:sp>
-        <p:sp>
-          <p:nvSpPr>
-            <p:cNvPr id="8" name="pl8"/>
-            <p:cNvSpPr/>
-            <p:nvPr/>
-          </p:nvSpPr>
-          <p:spPr>
-            <a:xfrm>
-              <a:off x="1842934" y="2328574"/>
-              <a:ext cx="6021055" cy="0"/>
-            </a:xfrm>
-            <a:custGeom>
-              <a:avLst/>
-              <a:pathLst>
-                <a:path w="6021055" h="0">
-                  <a:moveTo>
-                    <a:pt x="0" y="0"/>
-                  </a:moveTo>
-                  <a:lnTo>
-                    <a:pt x="6021055" y="0"/>
-                  </a:lnTo>
-                  <a:lnTo>
-                    <a:pt x="6021055" y="0"/>
-                  </a:lnTo>
-                </a:path>
-              </a:pathLst>
-            </a:custGeom>
-            <a:ln w="13550" cap="flat">
-              <a:solidFill>
-                <a:srgbClr val="DADADA">
-                  <a:alpha val="100000"/>
-                </a:srgbClr>
-              </a:solidFill>
-              <a:prstDash val="solid"/>
-              <a:round/>
-            </a:ln>
+            <p:cNvPr id="7" name="rc7"/>
+            <p:cNvSpPr/>
+            <p:nvPr/>
+          </p:nvSpPr>
+          <p:spPr>
+            <a:xfrm>
+              <a:off x="1775722" y="2328574"/>
+              <a:ext cx="455588" cy="8886"/>
+            </a:xfrm>
+            <a:prstGeom prst="rect">
+              <a:avLst/>
+            </a:prstGeom>
+            <a:solidFill>
+              <a:srgbClr val="000000">
+                <a:alpha val="100000"/>
+              </a:srgbClr>
+            </a:solidFill>
+          </p:spPr>
+          <p:txBody>
+            <a:bodyPr/>
+            <a:lstStyle/>
+            <a:p/>
+          </p:txBody>
+        </p:sp>
+        <p:sp>
+          <p:nvSpPr>
+            <p:cNvPr id="8" name="rc8"/>
+            <p:cNvSpPr/>
+            <p:nvPr/>
+          </p:nvSpPr>
+          <p:spPr>
+            <a:xfrm>
+              <a:off x="1775722" y="2337460"/>
+              <a:ext cx="455588" cy="2962"/>
+            </a:xfrm>
+            <a:prstGeom prst="rect">
+              <a:avLst/>
+            </a:prstGeom>
+            <a:solidFill>
+              <a:srgbClr val="6A737B">
+                <a:alpha val="100000"/>
+              </a:srgbClr>
+            </a:solidFill>
           </p:spPr>
           <p:txBody>
             <a:bodyPr/>
@@ -2602,8 +2568,34 @@
           </p:nvSpPr>
           <p:spPr>
             <a:xfrm>
-              <a:off x="2514705" y="2328574"/>
-              <a:ext cx="99521" cy="251924"/>
+              <a:off x="1775722" y="2340422"/>
+              <a:ext cx="455588" cy="19253"/>
+            </a:xfrm>
+            <a:prstGeom prst="rect">
+              <a:avLst/>
+            </a:prstGeom>
+            <a:solidFill>
+              <a:srgbClr val="621214">
+                <a:alpha val="100000"/>
+              </a:srgbClr>
+            </a:solidFill>
+          </p:spPr>
+          <p:txBody>
+            <a:bodyPr/>
+            <a:lstStyle/>
+            <a:p/>
+          </p:txBody>
+        </p:sp>
+        <p:sp>
+          <p:nvSpPr>
+            <p:cNvPr id="10" name="rc10"/>
+            <p:cNvSpPr/>
+            <p:nvPr/>
+          </p:nvSpPr>
+          <p:spPr>
+            <a:xfrm>
+              <a:off x="1775722" y="2359675"/>
+              <a:ext cx="455588" cy="90341"/>
             </a:xfrm>
             <a:prstGeom prst="rect">
               <a:avLst/>
@@ -2622,14 +2614,14 @@
         </p:sp>
         <p:sp>
           <p:nvSpPr>
-            <p:cNvPr id="10" name="rc10"/>
-            <p:cNvSpPr/>
-            <p:nvPr/>
-          </p:nvSpPr>
-          <p:spPr>
-            <a:xfrm>
-              <a:off x="2415183" y="2328574"/>
-              <a:ext cx="99521" cy="432125"/>
+            <p:cNvPr id="11" name="rc11"/>
+            <p:cNvSpPr/>
+            <p:nvPr/>
+          </p:nvSpPr>
+          <p:spPr>
+            <a:xfrm>
+              <a:off x="1775722" y="2450017"/>
+              <a:ext cx="455588" cy="17772"/>
             </a:xfrm>
             <a:prstGeom prst="rect">
               <a:avLst/>
@@ -2648,14 +2640,14 @@
         </p:sp>
         <p:sp>
           <p:nvSpPr>
-            <p:cNvPr id="11" name="rc11"/>
-            <p:cNvSpPr/>
-            <p:nvPr/>
-          </p:nvSpPr>
-          <p:spPr>
-            <a:xfrm>
-              <a:off x="2315662" y="2328574"/>
-              <a:ext cx="99521" cy="351466"/>
+            <p:cNvPr id="12" name="rc12"/>
+            <p:cNvSpPr/>
+            <p:nvPr/>
+          </p:nvSpPr>
+          <p:spPr>
+            <a:xfrm>
+              <a:off x="1775722" y="2467789"/>
+              <a:ext cx="455588" cy="386543"/>
             </a:xfrm>
             <a:prstGeom prst="rect">
               <a:avLst/>
@@ -2674,14 +2666,14 @@
         </p:sp>
         <p:sp>
           <p:nvSpPr>
-            <p:cNvPr id="12" name="rc12"/>
-            <p:cNvSpPr/>
-            <p:nvPr/>
-          </p:nvSpPr>
-          <p:spPr>
-            <a:xfrm>
-              <a:off x="2216140" y="2328574"/>
-              <a:ext cx="99521" cy="139272"/>
+            <p:cNvPr id="13" name="rc13"/>
+            <p:cNvSpPr/>
+            <p:nvPr/>
+          </p:nvSpPr>
+          <p:spPr>
+            <a:xfrm>
+              <a:off x="1775722" y="2854332"/>
+              <a:ext cx="455588" cy="25177"/>
             </a:xfrm>
             <a:prstGeom prst="rect">
               <a:avLst/>
@@ -2700,14 +2692,14 @@
         </p:sp>
         <p:sp>
           <p:nvSpPr>
-            <p:cNvPr id="13" name="rc13"/>
-            <p:cNvSpPr/>
-            <p:nvPr/>
-          </p:nvSpPr>
-          <p:spPr>
-            <a:xfrm>
-              <a:off x="2116618" y="2328574"/>
-              <a:ext cx="99521" cy="0"/>
+            <p:cNvPr id="14" name="rc14"/>
+            <p:cNvSpPr/>
+            <p:nvPr/>
+          </p:nvSpPr>
+          <p:spPr>
+            <a:xfrm>
+              <a:off x="1775722" y="2879509"/>
+              <a:ext cx="455588" cy="71088"/>
             </a:xfrm>
             <a:prstGeom prst="rect">
               <a:avLst/>
@@ -2726,14 +2718,92 @@
         </p:sp>
         <p:sp>
           <p:nvSpPr>
-            <p:cNvPr id="14" name="rc14"/>
-            <p:cNvSpPr/>
-            <p:nvPr/>
-          </p:nvSpPr>
-          <p:spPr>
-            <a:xfrm>
-              <a:off x="3067602" y="2328574"/>
-              <a:ext cx="99521" cy="233400"/>
+            <p:cNvPr id="15" name="rc15"/>
+            <p:cNvSpPr/>
+            <p:nvPr/>
+          </p:nvSpPr>
+          <p:spPr>
+            <a:xfrm>
+              <a:off x="2281932" y="2328574"/>
+              <a:ext cx="455588" cy="10367"/>
+            </a:xfrm>
+            <a:prstGeom prst="rect">
+              <a:avLst/>
+            </a:prstGeom>
+            <a:solidFill>
+              <a:srgbClr val="000000">
+                <a:alpha val="100000"/>
+              </a:srgbClr>
+            </a:solidFill>
+          </p:spPr>
+          <p:txBody>
+            <a:bodyPr/>
+            <a:lstStyle/>
+            <a:p/>
+          </p:txBody>
+        </p:sp>
+        <p:sp>
+          <p:nvSpPr>
+            <p:cNvPr id="16" name="rc16"/>
+            <p:cNvSpPr/>
+            <p:nvPr/>
+          </p:nvSpPr>
+          <p:spPr>
+            <a:xfrm>
+              <a:off x="2281932" y="2338941"/>
+              <a:ext cx="455588" cy="2962"/>
+            </a:xfrm>
+            <a:prstGeom prst="rect">
+              <a:avLst/>
+            </a:prstGeom>
+            <a:solidFill>
+              <a:srgbClr val="6A737B">
+                <a:alpha val="100000"/>
+              </a:srgbClr>
+            </a:solidFill>
+          </p:spPr>
+          <p:txBody>
+            <a:bodyPr/>
+            <a:lstStyle/>
+            <a:p/>
+          </p:txBody>
+        </p:sp>
+        <p:sp>
+          <p:nvSpPr>
+            <p:cNvPr id="17" name="rc17"/>
+            <p:cNvSpPr/>
+            <p:nvPr/>
+          </p:nvSpPr>
+          <p:spPr>
+            <a:xfrm>
+              <a:off x="2281932" y="2341903"/>
+              <a:ext cx="455588" cy="20734"/>
+            </a:xfrm>
+            <a:prstGeom prst="rect">
+              <a:avLst/>
+            </a:prstGeom>
+            <a:solidFill>
+              <a:srgbClr val="621214">
+                <a:alpha val="100000"/>
+              </a:srgbClr>
+            </a:solidFill>
+          </p:spPr>
+          <p:txBody>
+            <a:bodyPr/>
+            <a:lstStyle/>
+            <a:p/>
+          </p:txBody>
+        </p:sp>
+        <p:sp>
+          <p:nvSpPr>
+            <p:cNvPr id="18" name="rc18"/>
+            <p:cNvSpPr/>
+            <p:nvPr/>
+          </p:nvSpPr>
+          <p:spPr>
+            <a:xfrm>
+              <a:off x="2281932" y="2362637"/>
+              <a:ext cx="455588" cy="96265"/>
             </a:xfrm>
             <a:prstGeom prst="rect">
               <a:avLst/>
@@ -2752,14 +2822,14 @@
         </p:sp>
         <p:sp>
           <p:nvSpPr>
-            <p:cNvPr id="15" name="rc15"/>
-            <p:cNvSpPr/>
-            <p:nvPr/>
-          </p:nvSpPr>
-          <p:spPr>
-            <a:xfrm>
-              <a:off x="2968081" y="2328574"/>
-              <a:ext cx="99521" cy="437082"/>
+            <p:cNvPr id="19" name="rc19"/>
+            <p:cNvSpPr/>
+            <p:nvPr/>
+          </p:nvSpPr>
+          <p:spPr>
+            <a:xfrm>
+              <a:off x="2281932" y="2458903"/>
+              <a:ext cx="455588" cy="17772"/>
             </a:xfrm>
             <a:prstGeom prst="rect">
               <a:avLst/>
@@ -2778,14 +2848,14 @@
         </p:sp>
         <p:sp>
           <p:nvSpPr>
-            <p:cNvPr id="16" name="rc16"/>
-            <p:cNvSpPr/>
-            <p:nvPr/>
-          </p:nvSpPr>
-          <p:spPr>
-            <a:xfrm>
-              <a:off x="2868559" y="2328574"/>
-              <a:ext cx="99521" cy="368579"/>
+            <p:cNvPr id="20" name="rc20"/>
+            <p:cNvSpPr/>
+            <p:nvPr/>
+          </p:nvSpPr>
+          <p:spPr>
+            <a:xfrm>
+              <a:off x="2281932" y="2476675"/>
+              <a:ext cx="455588" cy="392467"/>
             </a:xfrm>
             <a:prstGeom prst="rect">
               <a:avLst/>
@@ -2804,14 +2874,14 @@
         </p:sp>
         <p:sp>
           <p:nvSpPr>
-            <p:cNvPr id="17" name="rc17"/>
-            <p:cNvSpPr/>
-            <p:nvPr/>
-          </p:nvSpPr>
-          <p:spPr>
-            <a:xfrm>
-              <a:off x="2769038" y="2328574"/>
-              <a:ext cx="99521" cy="156173"/>
+            <p:cNvPr id="21" name="rc21"/>
+            <p:cNvSpPr/>
+            <p:nvPr/>
+          </p:nvSpPr>
+          <p:spPr>
+            <a:xfrm>
+              <a:off x="2281932" y="2869142"/>
+              <a:ext cx="455588" cy="25177"/>
             </a:xfrm>
             <a:prstGeom prst="rect">
               <a:avLst/>
@@ -2830,14 +2900,14 @@
         </p:sp>
         <p:sp>
           <p:nvSpPr>
-            <p:cNvPr id="18" name="rc18"/>
-            <p:cNvSpPr/>
-            <p:nvPr/>
-          </p:nvSpPr>
-          <p:spPr>
-            <a:xfrm>
-              <a:off x="2669516" y="2328574"/>
-              <a:ext cx="99521" cy="0"/>
+            <p:cNvPr id="22" name="rc22"/>
+            <p:cNvSpPr/>
+            <p:nvPr/>
+          </p:nvSpPr>
+          <p:spPr>
+            <a:xfrm>
+              <a:off x="2281932" y="2894319"/>
+              <a:ext cx="455588" cy="75531"/>
             </a:xfrm>
             <a:prstGeom prst="rect">
               <a:avLst/>
@@ -2856,14 +2926,92 @@
         </p:sp>
         <p:sp>
           <p:nvSpPr>
-            <p:cNvPr id="19" name="rc19"/>
-            <p:cNvSpPr/>
-            <p:nvPr/>
-          </p:nvSpPr>
-          <p:spPr>
-            <a:xfrm>
-              <a:off x="3620500" y="2328574"/>
-              <a:ext cx="99521" cy="211696"/>
+            <p:cNvPr id="23" name="rc23"/>
+            <p:cNvSpPr/>
+            <p:nvPr/>
+          </p:nvSpPr>
+          <p:spPr>
+            <a:xfrm>
+              <a:off x="2788141" y="2328574"/>
+              <a:ext cx="455588" cy="10367"/>
+            </a:xfrm>
+            <a:prstGeom prst="rect">
+              <a:avLst/>
+            </a:prstGeom>
+            <a:solidFill>
+              <a:srgbClr val="000000">
+                <a:alpha val="100000"/>
+              </a:srgbClr>
+            </a:solidFill>
+          </p:spPr>
+          <p:txBody>
+            <a:bodyPr/>
+            <a:lstStyle/>
+            <a:p/>
+          </p:txBody>
+        </p:sp>
+        <p:sp>
+          <p:nvSpPr>
+            <p:cNvPr id="24" name="rc24"/>
+            <p:cNvSpPr/>
+            <p:nvPr/>
+          </p:nvSpPr>
+          <p:spPr>
+            <a:xfrm>
+              <a:off x="2788141" y="2338941"/>
+              <a:ext cx="455588" cy="2962"/>
+            </a:xfrm>
+            <a:prstGeom prst="rect">
+              <a:avLst/>
+            </a:prstGeom>
+            <a:solidFill>
+              <a:srgbClr val="6A737B">
+                <a:alpha val="100000"/>
+              </a:srgbClr>
+            </a:solidFill>
+          </p:spPr>
+          <p:txBody>
+            <a:bodyPr/>
+            <a:lstStyle/>
+            <a:p/>
+          </p:txBody>
+        </p:sp>
+        <p:sp>
+          <p:nvSpPr>
+            <p:cNvPr id="25" name="rc25"/>
+            <p:cNvSpPr/>
+            <p:nvPr/>
+          </p:nvSpPr>
+          <p:spPr>
+            <a:xfrm>
+              <a:off x="2788141" y="2341903"/>
+              <a:ext cx="455588" cy="22215"/>
+            </a:xfrm>
+            <a:prstGeom prst="rect">
+              <a:avLst/>
+            </a:prstGeom>
+            <a:solidFill>
+              <a:srgbClr val="621214">
+                <a:alpha val="100000"/>
+              </a:srgbClr>
+            </a:solidFill>
+          </p:spPr>
+          <p:txBody>
+            <a:bodyPr/>
+            <a:lstStyle/>
+            <a:p/>
+          </p:txBody>
+        </p:sp>
+        <p:sp>
+          <p:nvSpPr>
+            <p:cNvPr id="26" name="rc26"/>
+            <p:cNvSpPr/>
+            <p:nvPr/>
+          </p:nvSpPr>
+          <p:spPr>
+            <a:xfrm>
+              <a:off x="2788141" y="2364118"/>
+              <a:ext cx="455588" cy="102189"/>
             </a:xfrm>
             <a:prstGeom prst="rect">
               <a:avLst/>
@@ -2882,14 +3030,14 @@
         </p:sp>
         <p:sp>
           <p:nvSpPr>
-            <p:cNvPr id="20" name="rc20"/>
-            <p:cNvSpPr/>
-            <p:nvPr/>
-          </p:nvSpPr>
-          <p:spPr>
-            <a:xfrm>
-              <a:off x="3520978" y="2328574"/>
-              <a:ext cx="99521" cy="442561"/>
+            <p:cNvPr id="27" name="rc27"/>
+            <p:cNvSpPr/>
+            <p:nvPr/>
+          </p:nvSpPr>
+          <p:spPr>
+            <a:xfrm>
+              <a:off x="2788141" y="2466308"/>
+              <a:ext cx="455588" cy="17772"/>
             </a:xfrm>
             <a:prstGeom prst="rect">
               <a:avLst/>
@@ -2908,14 +3056,14 @@
         </p:sp>
         <p:sp>
           <p:nvSpPr>
-            <p:cNvPr id="21" name="rc21"/>
-            <p:cNvSpPr/>
-            <p:nvPr/>
-          </p:nvSpPr>
-          <p:spPr>
-            <a:xfrm>
-              <a:off x="3421457" y="2328574"/>
-              <a:ext cx="99521" cy="384877"/>
+            <p:cNvPr id="28" name="rc28"/>
+            <p:cNvSpPr/>
+            <p:nvPr/>
+          </p:nvSpPr>
+          <p:spPr>
+            <a:xfrm>
+              <a:off x="2788141" y="2484080"/>
+              <a:ext cx="455588" cy="398391"/>
             </a:xfrm>
             <a:prstGeom prst="rect">
               <a:avLst/>
@@ -2934,14 +3082,14 @@
         </p:sp>
         <p:sp>
           <p:nvSpPr>
-            <p:cNvPr id="22" name="rc22"/>
-            <p:cNvSpPr/>
-            <p:nvPr/>
-          </p:nvSpPr>
-          <p:spPr>
-            <a:xfrm>
-              <a:off x="3321935" y="2328574"/>
-              <a:ext cx="99521" cy="174852"/>
+            <p:cNvPr id="29" name="rc29"/>
+            <p:cNvSpPr/>
+            <p:nvPr/>
+          </p:nvSpPr>
+          <p:spPr>
+            <a:xfrm>
+              <a:off x="2788141" y="2882471"/>
+              <a:ext cx="455588" cy="25177"/>
             </a:xfrm>
             <a:prstGeom prst="rect">
               <a:avLst/>
@@ -2960,14 +3108,14 @@
         </p:sp>
         <p:sp>
           <p:nvSpPr>
-            <p:cNvPr id="23" name="rc23"/>
-            <p:cNvSpPr/>
-            <p:nvPr/>
-          </p:nvSpPr>
-          <p:spPr>
-            <a:xfrm>
-              <a:off x="3222414" y="2328574"/>
-              <a:ext cx="99521" cy="0"/>
+            <p:cNvPr id="30" name="rc30"/>
+            <p:cNvSpPr/>
+            <p:nvPr/>
+          </p:nvSpPr>
+          <p:spPr>
+            <a:xfrm>
+              <a:off x="2788141" y="2907648"/>
+              <a:ext cx="455588" cy="81455"/>
             </a:xfrm>
             <a:prstGeom prst="rect">
               <a:avLst/>
@@ -2986,14 +3134,92 @@
         </p:sp>
         <p:sp>
           <p:nvSpPr>
-            <p:cNvPr id="24" name="rc24"/>
-            <p:cNvSpPr/>
-            <p:nvPr/>
-          </p:nvSpPr>
-          <p:spPr>
-            <a:xfrm>
-              <a:off x="4173398" y="2328574"/>
-              <a:ext cx="99521" cy="192088"/>
+            <p:cNvPr id="31" name="rc31"/>
+            <p:cNvSpPr/>
+            <p:nvPr/>
+          </p:nvSpPr>
+          <p:spPr>
+            <a:xfrm>
+              <a:off x="3294351" y="2328574"/>
+              <a:ext cx="455588" cy="11848"/>
+            </a:xfrm>
+            <a:prstGeom prst="rect">
+              <a:avLst/>
+            </a:prstGeom>
+            <a:solidFill>
+              <a:srgbClr val="000000">
+                <a:alpha val="100000"/>
+              </a:srgbClr>
+            </a:solidFill>
+          </p:spPr>
+          <p:txBody>
+            <a:bodyPr/>
+            <a:lstStyle/>
+            <a:p/>
+          </p:txBody>
+        </p:sp>
+        <p:sp>
+          <p:nvSpPr>
+            <p:cNvPr id="32" name="rc32"/>
+            <p:cNvSpPr/>
+            <p:nvPr/>
+          </p:nvSpPr>
+          <p:spPr>
+            <a:xfrm>
+              <a:off x="3294351" y="2340422"/>
+              <a:ext cx="455588" cy="2962"/>
+            </a:xfrm>
+            <a:prstGeom prst="rect">
+              <a:avLst/>
+            </a:prstGeom>
+            <a:solidFill>
+              <a:srgbClr val="6A737B">
+                <a:alpha val="100000"/>
+              </a:srgbClr>
+            </a:solidFill>
+          </p:spPr>
+          <p:txBody>
+            <a:bodyPr/>
+            <a:lstStyle/>
+            <a:p/>
+          </p:txBody>
+        </p:sp>
+        <p:sp>
+          <p:nvSpPr>
+            <p:cNvPr id="33" name="rc33"/>
+            <p:cNvSpPr/>
+            <p:nvPr/>
+          </p:nvSpPr>
+          <p:spPr>
+            <a:xfrm>
+              <a:off x="3294351" y="2343384"/>
+              <a:ext cx="455588" cy="23696"/>
+            </a:xfrm>
+            <a:prstGeom prst="rect">
+              <a:avLst/>
+            </a:prstGeom>
+            <a:solidFill>
+              <a:srgbClr val="621214">
+                <a:alpha val="100000"/>
+              </a:srgbClr>
+            </a:solidFill>
+          </p:spPr>
+          <p:txBody>
+            <a:bodyPr/>
+            <a:lstStyle/>
+            <a:p/>
+          </p:txBody>
+        </p:sp>
+        <p:sp>
+          <p:nvSpPr>
+            <p:cNvPr id="34" name="rc34"/>
+            <p:cNvSpPr/>
+            <p:nvPr/>
+          </p:nvSpPr>
+          <p:spPr>
+            <a:xfrm>
+              <a:off x="3294351" y="2367080"/>
+              <a:ext cx="455588" cy="106632"/>
             </a:xfrm>
             <a:prstGeom prst="rect">
               <a:avLst/>
@@ -3012,14 +3238,14 @@
         </p:sp>
         <p:sp>
           <p:nvSpPr>
-            <p:cNvPr id="25" name="rc25"/>
-            <p:cNvSpPr/>
-            <p:nvPr/>
-          </p:nvSpPr>
-          <p:spPr>
-            <a:xfrm>
-              <a:off x="4073876" y="2328574"/>
-              <a:ext cx="99521" cy="445806"/>
+            <p:cNvPr id="35" name="rc35"/>
+            <p:cNvSpPr/>
+            <p:nvPr/>
+          </p:nvSpPr>
+          <p:spPr>
+            <a:xfrm>
+              <a:off x="3294351" y="2473713"/>
+              <a:ext cx="455588" cy="19253"/>
             </a:xfrm>
             <a:prstGeom prst="rect">
               <a:avLst/>
@@ -3038,14 +3264,14 @@
         </p:sp>
         <p:sp>
           <p:nvSpPr>
-            <p:cNvPr id="26" name="rc26"/>
-            <p:cNvSpPr/>
-            <p:nvPr/>
-          </p:nvSpPr>
-          <p:spPr>
-            <a:xfrm>
-              <a:off x="3974355" y="2328574"/>
-              <a:ext cx="99521" cy="398298"/>
+            <p:cNvPr id="36" name="rc36"/>
+            <p:cNvSpPr/>
+            <p:nvPr/>
+          </p:nvSpPr>
+          <p:spPr>
+            <a:xfrm>
+              <a:off x="3294351" y="2492966"/>
+              <a:ext cx="455588" cy="402834"/>
             </a:xfrm>
             <a:prstGeom prst="rect">
               <a:avLst/>
@@ -3064,14 +3290,14 @@
         </p:sp>
         <p:sp>
           <p:nvSpPr>
-            <p:cNvPr id="27" name="rc27"/>
-            <p:cNvSpPr/>
-            <p:nvPr/>
-          </p:nvSpPr>
-          <p:spPr>
-            <a:xfrm>
-              <a:off x="3874833" y="2328574"/>
-              <a:ext cx="99521" cy="192993"/>
+            <p:cNvPr id="37" name="rc37"/>
+            <p:cNvSpPr/>
+            <p:nvPr/>
+          </p:nvSpPr>
+          <p:spPr>
+            <a:xfrm>
+              <a:off x="3294351" y="2895800"/>
+              <a:ext cx="455588" cy="25177"/>
             </a:xfrm>
             <a:prstGeom prst="rect">
               <a:avLst/>
@@ -3090,14 +3316,14 @@
         </p:sp>
         <p:sp>
           <p:nvSpPr>
-            <p:cNvPr id="28" name="rc28"/>
-            <p:cNvSpPr/>
-            <p:nvPr/>
-          </p:nvSpPr>
-          <p:spPr>
-            <a:xfrm>
-              <a:off x="3775311" y="2328574"/>
-              <a:ext cx="99521" cy="953"/>
+            <p:cNvPr id="38" name="rc38"/>
+            <p:cNvSpPr/>
+            <p:nvPr/>
+          </p:nvSpPr>
+          <p:spPr>
+            <a:xfrm>
+              <a:off x="3294351" y="2920977"/>
+              <a:ext cx="455588" cy="85898"/>
             </a:xfrm>
             <a:prstGeom prst="rect">
               <a:avLst/>
@@ -3116,14 +3342,92 @@
         </p:sp>
         <p:sp>
           <p:nvSpPr>
-            <p:cNvPr id="29" name="rc29"/>
-            <p:cNvSpPr/>
-            <p:nvPr/>
-          </p:nvSpPr>
-          <p:spPr>
-            <a:xfrm>
-              <a:off x="4726295" y="2328574"/>
-              <a:ext cx="99521" cy="614185"/>
+            <p:cNvPr id="39" name="rc39"/>
+            <p:cNvSpPr/>
+            <p:nvPr/>
+          </p:nvSpPr>
+          <p:spPr>
+            <a:xfrm>
+              <a:off x="3800560" y="2328574"/>
+              <a:ext cx="455588" cy="66645"/>
+            </a:xfrm>
+            <a:prstGeom prst="rect">
+              <a:avLst/>
+            </a:prstGeom>
+            <a:solidFill>
+              <a:srgbClr val="000000">
+                <a:alpha val="100000"/>
+              </a:srgbClr>
+            </a:solidFill>
+          </p:spPr>
+          <p:txBody>
+            <a:bodyPr/>
+            <a:lstStyle/>
+            <a:p/>
+          </p:txBody>
+        </p:sp>
+        <p:sp>
+          <p:nvSpPr>
+            <p:cNvPr id="40" name="rc40"/>
+            <p:cNvSpPr/>
+            <p:nvPr/>
+          </p:nvSpPr>
+          <p:spPr>
+            <a:xfrm>
+              <a:off x="3800560" y="2395219"/>
+              <a:ext cx="455588" cy="19253"/>
+            </a:xfrm>
+            <a:prstGeom prst="rect">
+              <a:avLst/>
+            </a:prstGeom>
+            <a:solidFill>
+              <a:srgbClr val="6A737B">
+                <a:alpha val="100000"/>
+              </a:srgbClr>
+            </a:solidFill>
+          </p:spPr>
+          <p:txBody>
+            <a:bodyPr/>
+            <a:lstStyle/>
+            <a:p/>
+          </p:txBody>
+        </p:sp>
+        <p:sp>
+          <p:nvSpPr>
+            <p:cNvPr id="41" name="rc41"/>
+            <p:cNvSpPr/>
+            <p:nvPr/>
+          </p:nvSpPr>
+          <p:spPr>
+            <a:xfrm>
+              <a:off x="3800560" y="2414473"/>
+              <a:ext cx="455588" cy="127366"/>
+            </a:xfrm>
+            <a:prstGeom prst="rect">
+              <a:avLst/>
+            </a:prstGeom>
+            <a:solidFill>
+              <a:srgbClr val="621214">
+                <a:alpha val="100000"/>
+              </a:srgbClr>
+            </a:solidFill>
+          </p:spPr>
+          <p:txBody>
+            <a:bodyPr/>
+            <a:lstStyle/>
+            <a:p/>
+          </p:txBody>
+        </p:sp>
+        <p:sp>
+          <p:nvSpPr>
+            <p:cNvPr id="42" name="rc42"/>
+            <p:cNvSpPr/>
+            <p:nvPr/>
+          </p:nvSpPr>
+          <p:spPr>
+            <a:xfrm>
+              <a:off x="3800560" y="2541839"/>
+              <a:ext cx="455588" cy="241404"/>
             </a:xfrm>
             <a:prstGeom prst="rect">
               <a:avLst/>
@@ -3142,14 +3446,14 @@
         </p:sp>
         <p:sp>
           <p:nvSpPr>
-            <p:cNvPr id="30" name="rc30"/>
-            <p:cNvSpPr/>
-            <p:nvPr/>
-          </p:nvSpPr>
-          <p:spPr>
-            <a:xfrm>
-              <a:off x="4626774" y="2328574"/>
-              <a:ext cx="99521" cy="886818"/>
+            <p:cNvPr id="43" name="rc43"/>
+            <p:cNvSpPr/>
+            <p:nvPr/>
+          </p:nvSpPr>
+          <p:spPr>
+            <a:xfrm>
+              <a:off x="3800560" y="2783244"/>
+              <a:ext cx="455588" cy="37025"/>
             </a:xfrm>
             <a:prstGeom prst="rect">
               <a:avLst/>
@@ -3168,14 +3472,14 @@
         </p:sp>
         <p:sp>
           <p:nvSpPr>
-            <p:cNvPr id="31" name="rc31"/>
-            <p:cNvSpPr/>
-            <p:nvPr/>
-          </p:nvSpPr>
-          <p:spPr>
-            <a:xfrm>
-              <a:off x="4527252" y="2328574"/>
-              <a:ext cx="99521" cy="848719"/>
+            <p:cNvPr id="44" name="rc44"/>
+            <p:cNvSpPr/>
+            <p:nvPr/>
+          </p:nvSpPr>
+          <p:spPr>
+            <a:xfrm>
+              <a:off x="3800560" y="2820269"/>
+              <a:ext cx="455588" cy="835288"/>
             </a:xfrm>
             <a:prstGeom prst="rect">
               <a:avLst/>
@@ -3194,14 +3498,14 @@
         </p:sp>
         <p:sp>
           <p:nvSpPr>
-            <p:cNvPr id="32" name="rc32"/>
-            <p:cNvSpPr/>
-            <p:nvPr/>
-          </p:nvSpPr>
-          <p:spPr>
-            <a:xfrm>
-              <a:off x="4427731" y="2328574"/>
-              <a:ext cx="99521" cy="387332"/>
+            <p:cNvPr id="45" name="rc45"/>
+            <p:cNvSpPr/>
+            <p:nvPr/>
+          </p:nvSpPr>
+          <p:spPr>
+            <a:xfrm>
+              <a:off x="3800560" y="3655557"/>
+              <a:ext cx="455588" cy="57759"/>
             </a:xfrm>
             <a:prstGeom prst="rect">
               <a:avLst/>
@@ -3220,14 +3524,14 @@
         </p:sp>
         <p:sp>
           <p:nvSpPr>
-            <p:cNvPr id="33" name="rc33"/>
-            <p:cNvSpPr/>
-            <p:nvPr/>
-          </p:nvSpPr>
-          <p:spPr>
-            <a:xfrm>
-              <a:off x="4328209" y="2328574"/>
-              <a:ext cx="99521" cy="3774"/>
+            <p:cNvPr id="46" name="rc46"/>
+            <p:cNvSpPr/>
+            <p:nvPr/>
+          </p:nvSpPr>
+          <p:spPr>
+            <a:xfrm>
+              <a:off x="3800560" y="3713317"/>
+              <a:ext cx="455588" cy="143657"/>
             </a:xfrm>
             <a:prstGeom prst="rect">
               <a:avLst/>
@@ -3246,14 +3550,92 @@
         </p:sp>
         <p:sp>
           <p:nvSpPr>
-            <p:cNvPr id="34" name="rc34"/>
-            <p:cNvSpPr/>
-            <p:nvPr/>
-          </p:nvSpPr>
-          <p:spPr>
-            <a:xfrm>
-              <a:off x="5279193" y="2328574"/>
-              <a:ext cx="99521" cy="598164"/>
+            <p:cNvPr id="47" name="rc47"/>
+            <p:cNvSpPr/>
+            <p:nvPr/>
+          </p:nvSpPr>
+          <p:spPr>
+            <a:xfrm>
+              <a:off x="4306770" y="2328574"/>
+              <a:ext cx="455588" cy="72569"/>
+            </a:xfrm>
+            <a:prstGeom prst="rect">
+              <a:avLst/>
+            </a:prstGeom>
+            <a:solidFill>
+              <a:srgbClr val="000000">
+                <a:alpha val="100000"/>
+              </a:srgbClr>
+            </a:solidFill>
+          </p:spPr>
+          <p:txBody>
+            <a:bodyPr/>
+            <a:lstStyle/>
+            <a:p/>
+          </p:txBody>
+        </p:sp>
+        <p:sp>
+          <p:nvSpPr>
+            <p:cNvPr id="48" name="rc48"/>
+            <p:cNvSpPr/>
+            <p:nvPr/>
+          </p:nvSpPr>
+          <p:spPr>
+            <a:xfrm>
+              <a:off x="4306770" y="2401143"/>
+              <a:ext cx="455588" cy="20734"/>
+            </a:xfrm>
+            <a:prstGeom prst="rect">
+              <a:avLst/>
+            </a:prstGeom>
+            <a:solidFill>
+              <a:srgbClr val="6A737B">
+                <a:alpha val="100000"/>
+              </a:srgbClr>
+            </a:solidFill>
+          </p:spPr>
+          <p:txBody>
+            <a:bodyPr/>
+            <a:lstStyle/>
+            <a:p/>
+          </p:txBody>
+        </p:sp>
+        <p:sp>
+          <p:nvSpPr>
+            <p:cNvPr id="49" name="rc49"/>
+            <p:cNvSpPr/>
+            <p:nvPr/>
+          </p:nvSpPr>
+          <p:spPr>
+            <a:xfrm>
+              <a:off x="4306770" y="2421878"/>
+              <a:ext cx="455588" cy="137733"/>
+            </a:xfrm>
+            <a:prstGeom prst="rect">
+              <a:avLst/>
+            </a:prstGeom>
+            <a:solidFill>
+              <a:srgbClr val="621214">
+                <a:alpha val="100000"/>
+              </a:srgbClr>
+            </a:solidFill>
+          </p:spPr>
+          <p:txBody>
+            <a:bodyPr/>
+            <a:lstStyle/>
+            <a:p/>
+          </p:txBody>
+        </p:sp>
+        <p:sp>
+          <p:nvSpPr>
+            <p:cNvPr id="50" name="rc50"/>
+            <p:cNvSpPr/>
+            <p:nvPr/>
+          </p:nvSpPr>
+          <p:spPr>
+            <a:xfrm>
+              <a:off x="4306770" y="2559611"/>
+              <a:ext cx="455588" cy="251771"/>
             </a:xfrm>
             <a:prstGeom prst="rect">
               <a:avLst/>
@@ -3272,14 +3654,14 @@
         </p:sp>
         <p:sp>
           <p:nvSpPr>
-            <p:cNvPr id="35" name="rc35"/>
-            <p:cNvSpPr/>
-            <p:nvPr/>
-          </p:nvSpPr>
-          <p:spPr>
-            <a:xfrm>
-              <a:off x="5179671" y="2328574"/>
-              <a:ext cx="99521" cy="884968"/>
+            <p:cNvPr id="51" name="rc51"/>
+            <p:cNvSpPr/>
+            <p:nvPr/>
+          </p:nvSpPr>
+          <p:spPr>
+            <a:xfrm>
+              <a:off x="4306770" y="2811383"/>
+              <a:ext cx="455588" cy="38506"/>
             </a:xfrm>
             <a:prstGeom prst="rect">
               <a:avLst/>
@@ -3298,14 +3680,14 @@
         </p:sp>
         <p:sp>
           <p:nvSpPr>
-            <p:cNvPr id="36" name="rc36"/>
-            <p:cNvSpPr/>
-            <p:nvPr/>
-          </p:nvSpPr>
-          <p:spPr>
-            <a:xfrm>
-              <a:off x="5080150" y="2328574"/>
-              <a:ext cx="99521" cy="857500"/>
+            <p:cNvPr id="52" name="rc52"/>
+            <p:cNvSpPr/>
+            <p:nvPr/>
+          </p:nvSpPr>
+          <p:spPr>
+            <a:xfrm>
+              <a:off x="4306770" y="2849889"/>
+              <a:ext cx="455588" cy="841212"/>
             </a:xfrm>
             <a:prstGeom prst="rect">
               <a:avLst/>
@@ -3324,14 +3706,14 @@
         </p:sp>
         <p:sp>
           <p:nvSpPr>
-            <p:cNvPr id="37" name="rc37"/>
-            <p:cNvSpPr/>
-            <p:nvPr/>
-          </p:nvSpPr>
-          <p:spPr>
-            <a:xfrm>
-              <a:off x="4980628" y="2328574"/>
-              <a:ext cx="99521" cy="422178"/>
+            <p:cNvPr id="53" name="rc53"/>
+            <p:cNvSpPr/>
+            <p:nvPr/>
+          </p:nvSpPr>
+          <p:spPr>
+            <a:xfrm>
+              <a:off x="4306770" y="3691102"/>
+              <a:ext cx="455588" cy="57759"/>
             </a:xfrm>
             <a:prstGeom prst="rect">
               <a:avLst/>
@@ -3350,14 +3732,14 @@
         </p:sp>
         <p:sp>
           <p:nvSpPr>
-            <p:cNvPr id="38" name="rc38"/>
-            <p:cNvSpPr/>
-            <p:nvPr/>
-          </p:nvSpPr>
-          <p:spPr>
-            <a:xfrm>
-              <a:off x="4881107" y="2328574"/>
-              <a:ext cx="99521" cy="8520"/>
+            <p:cNvPr id="54" name="rc54"/>
+            <p:cNvSpPr/>
+            <p:nvPr/>
+          </p:nvSpPr>
+          <p:spPr>
+            <a:xfrm>
+              <a:off x="4306770" y="3748861"/>
+              <a:ext cx="455588" cy="146619"/>
             </a:xfrm>
             <a:prstGeom prst="rect">
               <a:avLst/>
@@ -3376,14 +3758,92 @@
         </p:sp>
         <p:sp>
           <p:nvSpPr>
-            <p:cNvPr id="39" name="rc39"/>
-            <p:cNvSpPr/>
-            <p:nvPr/>
-          </p:nvSpPr>
-          <p:spPr>
-            <a:xfrm>
-              <a:off x="5832091" y="2328574"/>
-              <a:ext cx="99521" cy="3334755"/>
+            <p:cNvPr id="55" name="rc55"/>
+            <p:cNvSpPr/>
+            <p:nvPr/>
+          </p:nvSpPr>
+          <p:spPr>
+            <a:xfrm>
+              <a:off x="4812979" y="2328574"/>
+              <a:ext cx="455588" cy="860465"/>
+            </a:xfrm>
+            <a:prstGeom prst="rect">
+              <a:avLst/>
+            </a:prstGeom>
+            <a:solidFill>
+              <a:srgbClr val="000000">
+                <a:alpha val="100000"/>
+              </a:srgbClr>
+            </a:solidFill>
+          </p:spPr>
+          <p:txBody>
+            <a:bodyPr/>
+            <a:lstStyle/>
+            <a:p/>
+          </p:txBody>
+        </p:sp>
+        <p:sp>
+          <p:nvSpPr>
+            <p:cNvPr id="56" name="rc56"/>
+            <p:cNvSpPr/>
+            <p:nvPr/>
+          </p:nvSpPr>
+          <p:spPr>
+            <a:xfrm>
+              <a:off x="4812979" y="3189040"/>
+              <a:ext cx="455588" cy="186607"/>
+            </a:xfrm>
+            <a:prstGeom prst="rect">
+              <a:avLst/>
+            </a:prstGeom>
+            <a:solidFill>
+              <a:srgbClr val="6A737B">
+                <a:alpha val="100000"/>
+              </a:srgbClr>
+            </a:solidFill>
+          </p:spPr>
+          <p:txBody>
+            <a:bodyPr/>
+            <a:lstStyle/>
+            <a:p/>
+          </p:txBody>
+        </p:sp>
+        <p:sp>
+          <p:nvSpPr>
+            <p:cNvPr id="57" name="rc57"/>
+            <p:cNvSpPr/>
+            <p:nvPr/>
+          </p:nvSpPr>
+          <p:spPr>
+            <a:xfrm>
+              <a:off x="4812979" y="3375647"/>
+              <a:ext cx="455588" cy="684225"/>
+            </a:xfrm>
+            <a:prstGeom prst="rect">
+              <a:avLst/>
+            </a:prstGeom>
+            <a:solidFill>
+              <a:srgbClr val="621214">
+                <a:alpha val="100000"/>
+              </a:srgbClr>
+            </a:solidFill>
+          </p:spPr>
+          <p:txBody>
+            <a:bodyPr/>
+            <a:lstStyle/>
+            <a:p/>
+          </p:txBody>
+        </p:sp>
+        <p:sp>
+          <p:nvSpPr>
+            <p:cNvPr id="58" name="rc58"/>
+            <p:cNvSpPr/>
+            <p:nvPr/>
+          </p:nvSpPr>
+          <p:spPr>
+            <a:xfrm>
+              <a:off x="4812979" y="4059873"/>
+              <a:ext cx="455588" cy="420606"/>
             </a:xfrm>
             <a:prstGeom prst="rect">
               <a:avLst/>
@@ -3402,14 +3862,14 @@
         </p:sp>
         <p:sp>
           <p:nvSpPr>
-            <p:cNvPr id="40" name="rc40"/>
-            <p:cNvSpPr/>
-            <p:nvPr/>
-          </p:nvSpPr>
-          <p:spPr>
-            <a:xfrm>
-              <a:off x="5732569" y="2328574"/>
-              <a:ext cx="99521" cy="981314"/>
+            <p:cNvPr id="59" name="rc59"/>
+            <p:cNvSpPr/>
+            <p:nvPr/>
+          </p:nvSpPr>
+          <p:spPr>
+            <a:xfrm>
+              <a:off x="4812979" y="4480479"/>
+              <a:ext cx="455588" cy="39987"/>
             </a:xfrm>
             <a:prstGeom prst="rect">
               <a:avLst/>
@@ -3428,14 +3888,14 @@
         </p:sp>
         <p:sp>
           <p:nvSpPr>
-            <p:cNvPr id="41" name="rc41"/>
-            <p:cNvSpPr/>
-            <p:nvPr/>
-          </p:nvSpPr>
-          <p:spPr>
-            <a:xfrm>
-              <a:off x="5633047" y="2328574"/>
-              <a:ext cx="99521" cy="864079"/>
+            <p:cNvPr id="60" name="rc60"/>
+            <p:cNvSpPr/>
+            <p:nvPr/>
+          </p:nvSpPr>
+          <p:spPr>
+            <a:xfrm>
+              <a:off x="4812979" y="4520466"/>
+              <a:ext cx="455588" cy="844174"/>
             </a:xfrm>
             <a:prstGeom prst="rect">
               <a:avLst/>
@@ -3454,14 +3914,14 @@
         </p:sp>
         <p:sp>
           <p:nvSpPr>
-            <p:cNvPr id="42" name="rc42"/>
-            <p:cNvSpPr/>
-            <p:nvPr/>
-          </p:nvSpPr>
-          <p:spPr>
-            <a:xfrm>
-              <a:off x="5533526" y="2328574"/>
-              <a:ext cx="99521" cy="454856"/>
+            <p:cNvPr id="61" name="rc61"/>
+            <p:cNvSpPr/>
+            <p:nvPr/>
+          </p:nvSpPr>
+          <p:spPr>
+            <a:xfrm>
+              <a:off x="4812979" y="5364641"/>
+              <a:ext cx="455588" cy="56278"/>
             </a:xfrm>
             <a:prstGeom prst="rect">
               <a:avLst/>
@@ -3480,14 +3940,14 @@
         </p:sp>
         <p:sp>
           <p:nvSpPr>
-            <p:cNvPr id="43" name="rc43"/>
-            <p:cNvSpPr/>
-            <p:nvPr/>
-          </p:nvSpPr>
-          <p:spPr>
-            <a:xfrm>
-              <a:off x="5434004" y="2328574"/>
-              <a:ext cx="99521" cy="15727"/>
+            <p:cNvPr id="62" name="rc62"/>
+            <p:cNvSpPr/>
+            <p:nvPr/>
+          </p:nvSpPr>
+          <p:spPr>
+            <a:xfrm>
+              <a:off x="4812979" y="5420919"/>
+              <a:ext cx="455588" cy="148100"/>
             </a:xfrm>
             <a:prstGeom prst="rect">
               <a:avLst/>
@@ -3506,14 +3966,92 @@
         </p:sp>
         <p:sp>
           <p:nvSpPr>
-            <p:cNvPr id="44" name="rc44"/>
-            <p:cNvSpPr/>
-            <p:nvPr/>
-          </p:nvSpPr>
-          <p:spPr>
-            <a:xfrm>
-              <a:off x="6384988" y="2328574"/>
-              <a:ext cx="99521" cy="3482042"/>
+            <p:cNvPr id="63" name="rc63"/>
+            <p:cNvSpPr/>
+            <p:nvPr/>
+          </p:nvSpPr>
+          <p:spPr>
+            <a:xfrm>
+              <a:off x="5319189" y="2328574"/>
+              <a:ext cx="455588" cy="941921"/>
+            </a:xfrm>
+            <a:prstGeom prst="rect">
+              <a:avLst/>
+            </a:prstGeom>
+            <a:solidFill>
+              <a:srgbClr val="000000">
+                <a:alpha val="100000"/>
+              </a:srgbClr>
+            </a:solidFill>
+          </p:spPr>
+          <p:txBody>
+            <a:bodyPr/>
+            <a:lstStyle/>
+            <a:p/>
+          </p:txBody>
+        </p:sp>
+        <p:sp>
+          <p:nvSpPr>
+            <p:cNvPr id="64" name="rc64"/>
+            <p:cNvSpPr/>
+            <p:nvPr/>
+          </p:nvSpPr>
+          <p:spPr>
+            <a:xfrm>
+              <a:off x="5319189" y="3270495"/>
+              <a:ext cx="455588" cy="207341"/>
+            </a:xfrm>
+            <a:prstGeom prst="rect">
+              <a:avLst/>
+            </a:prstGeom>
+            <a:solidFill>
+              <a:srgbClr val="6A737B">
+                <a:alpha val="100000"/>
+              </a:srgbClr>
+            </a:solidFill>
+          </p:spPr>
+          <p:txBody>
+            <a:bodyPr/>
+            <a:lstStyle/>
+            <a:p/>
+          </p:txBody>
+        </p:sp>
+        <p:sp>
+          <p:nvSpPr>
+            <p:cNvPr id="65" name="rc65"/>
+            <p:cNvSpPr/>
+            <p:nvPr/>
+          </p:nvSpPr>
+          <p:spPr>
+            <a:xfrm>
+              <a:off x="5319189" y="3477836"/>
+              <a:ext cx="455588" cy="736061"/>
+            </a:xfrm>
+            <a:prstGeom prst="rect">
+              <a:avLst/>
+            </a:prstGeom>
+            <a:solidFill>
+              <a:srgbClr val="621214">
+                <a:alpha val="100000"/>
+              </a:srgbClr>
+            </a:solidFill>
+          </p:spPr>
+          <p:txBody>
+            <a:bodyPr/>
+            <a:lstStyle/>
+            <a:p/>
+          </p:txBody>
+        </p:sp>
+        <p:sp>
+          <p:nvSpPr>
+            <p:cNvPr id="66" name="rc66"/>
+            <p:cNvSpPr/>
+            <p:nvPr/>
+          </p:nvSpPr>
+          <p:spPr>
+            <a:xfrm>
+              <a:off x="5319189" y="4213898"/>
+              <a:ext cx="455588" cy="435416"/>
             </a:xfrm>
             <a:prstGeom prst="rect">
               <a:avLst/>
@@ -3532,14 +4070,14 @@
         </p:sp>
         <p:sp>
           <p:nvSpPr>
-            <p:cNvPr id="45" name="rc45"/>
-            <p:cNvSpPr/>
-            <p:nvPr/>
-          </p:nvSpPr>
-          <p:spPr>
-            <a:xfrm>
-              <a:off x="6285467" y="2328574"/>
-              <a:ext cx="99521" cy="1017799"/>
+            <p:cNvPr id="67" name="rc67"/>
+            <p:cNvSpPr/>
+            <p:nvPr/>
+          </p:nvSpPr>
+          <p:spPr>
+            <a:xfrm>
+              <a:off x="5319189" y="4649314"/>
+              <a:ext cx="455588" cy="38506"/>
             </a:xfrm>
             <a:prstGeom prst="rect">
               <a:avLst/>
@@ -3558,14 +4096,14 @@
         </p:sp>
         <p:sp>
           <p:nvSpPr>
-            <p:cNvPr id="46" name="rc46"/>
-            <p:cNvSpPr/>
-            <p:nvPr/>
-          </p:nvSpPr>
-          <p:spPr>
-            <a:xfrm>
-              <a:off x="6185945" y="2328574"/>
-              <a:ext cx="99521" cy="868694"/>
+            <p:cNvPr id="68" name="rc68"/>
+            <p:cNvSpPr/>
+            <p:nvPr/>
+          </p:nvSpPr>
+          <p:spPr>
+            <a:xfrm>
+              <a:off x="5319189" y="4687820"/>
+              <a:ext cx="455588" cy="850098"/>
             </a:xfrm>
             <a:prstGeom prst="rect">
               <a:avLst/>
@@ -3584,14 +4122,14 @@
         </p:sp>
         <p:sp>
           <p:nvSpPr>
-            <p:cNvPr id="47" name="rc47"/>
-            <p:cNvSpPr/>
-            <p:nvPr/>
-          </p:nvSpPr>
-          <p:spPr>
-            <a:xfrm>
-              <a:off x="6086424" y="2328574"/>
-              <a:ext cx="99521" cy="485178"/>
+            <p:cNvPr id="69" name="rc69"/>
+            <p:cNvSpPr/>
+            <p:nvPr/>
+          </p:nvSpPr>
+          <p:spPr>
+            <a:xfrm>
+              <a:off x="5319189" y="5537919"/>
+              <a:ext cx="455588" cy="54797"/>
             </a:xfrm>
             <a:prstGeom prst="rect">
               <a:avLst/>
@@ -3610,14 +4148,14 @@
         </p:sp>
         <p:sp>
           <p:nvSpPr>
-            <p:cNvPr id="48" name="rc48"/>
-            <p:cNvSpPr/>
-            <p:nvPr/>
-          </p:nvSpPr>
-          <p:spPr>
-            <a:xfrm>
-              <a:off x="5986902" y="2328574"/>
-              <a:ext cx="99521" cy="24035"/>
+            <p:cNvPr id="70" name="rc70"/>
+            <p:cNvSpPr/>
+            <p:nvPr/>
+          </p:nvSpPr>
+          <p:spPr>
+            <a:xfrm>
+              <a:off x="5319189" y="5592716"/>
+              <a:ext cx="455588" cy="149581"/>
             </a:xfrm>
             <a:prstGeom prst="rect">
               <a:avLst/>
@@ -3636,14 +4174,92 @@
         </p:sp>
         <p:sp>
           <p:nvSpPr>
-            <p:cNvPr id="49" name="rc49"/>
-            <p:cNvSpPr/>
-            <p:nvPr/>
-          </p:nvSpPr>
-          <p:spPr>
-            <a:xfrm>
-              <a:off x="6937886" y="2328574"/>
-              <a:ext cx="99521" cy="3633446"/>
+            <p:cNvPr id="71" name="rc71"/>
+            <p:cNvSpPr/>
+            <p:nvPr/>
+          </p:nvSpPr>
+          <p:spPr>
+            <a:xfrm>
+              <a:off x="5825398" y="2328574"/>
+              <a:ext cx="455588" cy="1030781"/>
+            </a:xfrm>
+            <a:prstGeom prst="rect">
+              <a:avLst/>
+            </a:prstGeom>
+            <a:solidFill>
+              <a:srgbClr val="000000">
+                <a:alpha val="100000"/>
+              </a:srgbClr>
+            </a:solidFill>
+          </p:spPr>
+          <p:txBody>
+            <a:bodyPr/>
+            <a:lstStyle/>
+            <a:p/>
+          </p:txBody>
+        </p:sp>
+        <p:sp>
+          <p:nvSpPr>
+            <p:cNvPr id="72" name="rc72"/>
+            <p:cNvSpPr/>
+            <p:nvPr/>
+          </p:nvSpPr>
+          <p:spPr>
+            <a:xfrm>
+              <a:off x="5825398" y="3359356"/>
+              <a:ext cx="455588" cy="225113"/>
+            </a:xfrm>
+            <a:prstGeom prst="rect">
+              <a:avLst/>
+            </a:prstGeom>
+            <a:solidFill>
+              <a:srgbClr val="6A737B">
+                <a:alpha val="100000"/>
+              </a:srgbClr>
+            </a:solidFill>
+          </p:spPr>
+          <p:txBody>
+            <a:bodyPr/>
+            <a:lstStyle/>
+            <a:p/>
+          </p:txBody>
+        </p:sp>
+        <p:sp>
+          <p:nvSpPr>
+            <p:cNvPr id="73" name="rc73"/>
+            <p:cNvSpPr/>
+            <p:nvPr/>
+          </p:nvSpPr>
+          <p:spPr>
+            <a:xfrm>
+              <a:off x="5825398" y="3584469"/>
+              <a:ext cx="455588" cy="792339"/>
+            </a:xfrm>
+            <a:prstGeom prst="rect">
+              <a:avLst/>
+            </a:prstGeom>
+            <a:solidFill>
+              <a:srgbClr val="621214">
+                <a:alpha val="100000"/>
+              </a:srgbClr>
+            </a:solidFill>
+          </p:spPr>
+          <p:txBody>
+            <a:bodyPr/>
+            <a:lstStyle/>
+            <a:p/>
+          </p:txBody>
+        </p:sp>
+        <p:sp>
+          <p:nvSpPr>
+            <p:cNvPr id="74" name="rc74"/>
+            <p:cNvSpPr/>
+            <p:nvPr/>
+          </p:nvSpPr>
+          <p:spPr>
+            <a:xfrm>
+              <a:off x="5825398" y="4376808"/>
+              <a:ext cx="455588" cy="450226"/>
             </a:xfrm>
             <a:prstGeom prst="rect">
               <a:avLst/>
@@ -3662,14 +4278,14 @@
         </p:sp>
         <p:sp>
           <p:nvSpPr>
-            <p:cNvPr id="50" name="rc50"/>
-            <p:cNvSpPr/>
-            <p:nvPr/>
-          </p:nvSpPr>
-          <p:spPr>
-            <a:xfrm>
-              <a:off x="6838364" y="2328574"/>
-              <a:ext cx="99521" cy="1060383"/>
+            <p:cNvPr id="75" name="rc75"/>
+            <p:cNvSpPr/>
+            <p:nvPr/>
+          </p:nvSpPr>
+          <p:spPr>
+            <a:xfrm>
+              <a:off x="5825398" y="4827035"/>
+              <a:ext cx="455588" cy="41468"/>
             </a:xfrm>
             <a:prstGeom prst="rect">
               <a:avLst/>
@@ -3688,14 +4304,14 @@
         </p:sp>
         <p:sp>
           <p:nvSpPr>
-            <p:cNvPr id="51" name="rc51"/>
-            <p:cNvSpPr/>
-            <p:nvPr/>
-          </p:nvSpPr>
-          <p:spPr>
-            <a:xfrm>
-              <a:off x="6738843" y="2328574"/>
-              <a:ext cx="99521" cy="871482"/>
+            <p:cNvPr id="76" name="rc76"/>
+            <p:cNvSpPr/>
+            <p:nvPr/>
+          </p:nvSpPr>
+          <p:spPr>
+            <a:xfrm>
+              <a:off x="5825398" y="4868503"/>
+              <a:ext cx="455588" cy="851579"/>
             </a:xfrm>
             <a:prstGeom prst="rect">
               <a:avLst/>
@@ -3714,14 +4330,14 @@
         </p:sp>
         <p:sp>
           <p:nvSpPr>
-            <p:cNvPr id="52" name="rc52"/>
-            <p:cNvSpPr/>
-            <p:nvPr/>
-          </p:nvSpPr>
-          <p:spPr>
-            <a:xfrm>
-              <a:off x="6639321" y="2328574"/>
-              <a:ext cx="99521" cy="515899"/>
+            <p:cNvPr id="77" name="rc77"/>
+            <p:cNvSpPr/>
+            <p:nvPr/>
+          </p:nvSpPr>
+          <p:spPr>
+            <a:xfrm>
+              <a:off x="5825398" y="5720083"/>
+              <a:ext cx="455588" cy="54797"/>
             </a:xfrm>
             <a:prstGeom prst="rect">
               <a:avLst/>
@@ -3740,14 +4356,14 @@
         </p:sp>
         <p:sp>
           <p:nvSpPr>
-            <p:cNvPr id="53" name="rc53"/>
-            <p:cNvSpPr/>
-            <p:nvPr/>
-          </p:nvSpPr>
-          <p:spPr>
-            <a:xfrm>
-              <a:off x="6539800" y="2328574"/>
-              <a:ext cx="99521" cy="32604"/>
+            <p:cNvPr id="78" name="rc78"/>
+            <p:cNvSpPr/>
+            <p:nvPr/>
+          </p:nvSpPr>
+          <p:spPr>
+            <a:xfrm>
+              <a:off x="5825398" y="5774880"/>
+              <a:ext cx="455588" cy="149581"/>
             </a:xfrm>
             <a:prstGeom prst="rect">
               <a:avLst/>
@@ -3766,14 +4382,92 @@
         </p:sp>
         <p:sp>
           <p:nvSpPr>
-            <p:cNvPr id="54" name="rc54"/>
-            <p:cNvSpPr/>
-            <p:nvPr/>
-          </p:nvSpPr>
-          <p:spPr>
-            <a:xfrm>
-              <a:off x="7490784" y="2328574"/>
-              <a:ext cx="99521" cy="3786937"/>
+            <p:cNvPr id="79" name="rc79"/>
+            <p:cNvSpPr/>
+            <p:nvPr/>
+          </p:nvSpPr>
+          <p:spPr>
+            <a:xfrm>
+              <a:off x="6331608" y="2328574"/>
+              <a:ext cx="455588" cy="1128528"/>
+            </a:xfrm>
+            <a:prstGeom prst="rect">
+              <a:avLst/>
+            </a:prstGeom>
+            <a:solidFill>
+              <a:srgbClr val="000000">
+                <a:alpha val="100000"/>
+              </a:srgbClr>
+            </a:solidFill>
+          </p:spPr>
+          <p:txBody>
+            <a:bodyPr/>
+            <a:lstStyle/>
+            <a:p/>
+          </p:txBody>
+        </p:sp>
+        <p:sp>
+          <p:nvSpPr>
+            <p:cNvPr id="80" name="rc80"/>
+            <p:cNvSpPr/>
+            <p:nvPr/>
+          </p:nvSpPr>
+          <p:spPr>
+            <a:xfrm>
+              <a:off x="6331608" y="3457102"/>
+              <a:ext cx="455588" cy="244366"/>
+            </a:xfrm>
+            <a:prstGeom prst="rect">
+              <a:avLst/>
+            </a:prstGeom>
+            <a:solidFill>
+              <a:srgbClr val="6A737B">
+                <a:alpha val="100000"/>
+              </a:srgbClr>
+            </a:solidFill>
+          </p:spPr>
+          <p:txBody>
+            <a:bodyPr/>
+            <a:lstStyle/>
+            <a:p/>
+          </p:txBody>
+        </p:sp>
+        <p:sp>
+          <p:nvSpPr>
+            <p:cNvPr id="81" name="rc81"/>
+            <p:cNvSpPr/>
+            <p:nvPr/>
+          </p:nvSpPr>
+          <p:spPr>
+            <a:xfrm>
+              <a:off x="6331608" y="3701469"/>
+              <a:ext cx="455588" cy="848617"/>
+            </a:xfrm>
+            <a:prstGeom prst="rect">
+              <a:avLst/>
+            </a:prstGeom>
+            <a:solidFill>
+              <a:srgbClr val="621214">
+                <a:alpha val="100000"/>
+              </a:srgbClr>
+            </a:solidFill>
+          </p:spPr>
+          <p:txBody>
+            <a:bodyPr/>
+            <a:lstStyle/>
+            <a:p/>
+          </p:txBody>
+        </p:sp>
+        <p:sp>
+          <p:nvSpPr>
+            <p:cNvPr id="82" name="rc82"/>
+            <p:cNvSpPr/>
+            <p:nvPr/>
+          </p:nvSpPr>
+          <p:spPr>
+            <a:xfrm>
+              <a:off x="6331608" y="4550086"/>
+              <a:ext cx="455588" cy="465036"/>
             </a:xfrm>
             <a:prstGeom prst="rect">
               <a:avLst/>
@@ -3792,14 +4486,14 @@
         </p:sp>
         <p:sp>
           <p:nvSpPr>
-            <p:cNvPr id="55" name="rc55"/>
-            <p:cNvSpPr/>
-            <p:nvPr/>
-          </p:nvSpPr>
-          <p:spPr>
-            <a:xfrm>
-              <a:off x="7391262" y="2328574"/>
-              <a:ext cx="99521" cy="1108617"/>
+            <p:cNvPr id="83" name="rc83"/>
+            <p:cNvSpPr/>
+            <p:nvPr/>
+          </p:nvSpPr>
+          <p:spPr>
+            <a:xfrm>
+              <a:off x="6331608" y="5015123"/>
+              <a:ext cx="455588" cy="41468"/>
             </a:xfrm>
             <a:prstGeom prst="rect">
               <a:avLst/>
@@ -3818,14 +4512,14 @@
         </p:sp>
         <p:sp>
           <p:nvSpPr>
-            <p:cNvPr id="56" name="rc56"/>
-            <p:cNvSpPr/>
-            <p:nvPr/>
-          </p:nvSpPr>
-          <p:spPr>
-            <a:xfrm>
-              <a:off x="7291740" y="2328574"/>
-              <a:ext cx="99521" cy="872265"/>
+            <p:cNvPr id="84" name="rc84"/>
+            <p:cNvSpPr/>
+            <p:nvPr/>
+          </p:nvSpPr>
+          <p:spPr>
+            <a:xfrm>
+              <a:off x="6331608" y="5056591"/>
+              <a:ext cx="455588" cy="853060"/>
             </a:xfrm>
             <a:prstGeom prst="rect">
               <a:avLst/>
@@ -3844,14 +4538,14 @@
         </p:sp>
         <p:sp>
           <p:nvSpPr>
-            <p:cNvPr id="57" name="rc57"/>
-            <p:cNvSpPr/>
-            <p:nvPr/>
-          </p:nvSpPr>
-          <p:spPr>
-            <a:xfrm>
-              <a:off x="7192219" y="2328574"/>
-              <a:ext cx="99521" cy="545715"/>
+            <p:cNvPr id="85" name="rc85"/>
+            <p:cNvSpPr/>
+            <p:nvPr/>
+          </p:nvSpPr>
+          <p:spPr>
+            <a:xfrm>
+              <a:off x="6331608" y="5909652"/>
+              <a:ext cx="455588" cy="54797"/>
             </a:xfrm>
             <a:prstGeom prst="rect">
               <a:avLst/>
@@ -3870,14 +4564,14 @@
         </p:sp>
         <p:sp>
           <p:nvSpPr>
-            <p:cNvPr id="58" name="rc58"/>
-            <p:cNvSpPr/>
-            <p:nvPr/>
-          </p:nvSpPr>
-          <p:spPr>
-            <a:xfrm>
-              <a:off x="7092697" y="2328574"/>
-              <a:ext cx="99521" cy="41564"/>
+            <p:cNvPr id="86" name="rc86"/>
+            <p:cNvSpPr/>
+            <p:nvPr/>
+          </p:nvSpPr>
+          <p:spPr>
+            <a:xfrm>
+              <a:off x="6331608" y="5964449"/>
+              <a:ext cx="455588" cy="151062"/>
             </a:xfrm>
             <a:prstGeom prst="rect">
               <a:avLst/>
@@ -3896,14 +4590,14 @@
         </p:sp>
         <p:sp>
           <p:nvSpPr>
-            <p:cNvPr id="59" name="tx59"/>
-            <p:cNvSpPr/>
-            <p:nvPr/>
-          </p:nvSpPr>
-          <p:spPr>
-            <a:xfrm>
-              <a:off x="914400" y="5460555"/>
-              <a:ext cx="832693" cy="211137"/>
+            <p:cNvPr id="87" name="tx87"/>
+            <p:cNvSpPr/>
+            <p:nvPr/>
+          </p:nvSpPr>
+          <p:spPr>
+            <a:xfrm>
+              <a:off x="914399" y="5170040"/>
+              <a:ext cx="514908" cy="202406"/>
             </a:xfrm>
             <a:prstGeom prst="rect">
               <a:avLst/>
@@ -3935,21 +4629,21 @@
                   <a:latin typeface="Arial"/>
                   <a:cs typeface="Arial"/>
                 </a:rPr>
-                <a:t>−$4,000</a:t>
+                <a:t>−$20</a:t>
               </a:r>
             </a:p>
           </p:txBody>
         </p:sp>
         <p:sp>
           <p:nvSpPr>
-            <p:cNvPr id="60" name="tx60"/>
-            <p:cNvSpPr/>
-            <p:nvPr/>
-          </p:nvSpPr>
-          <p:spPr>
-            <a:xfrm>
-              <a:off x="914400" y="4645239"/>
-              <a:ext cx="832693" cy="211137"/>
+            <p:cNvPr id="88" name="tx88"/>
+            <p:cNvSpPr/>
+            <p:nvPr/>
+          </p:nvSpPr>
+          <p:spPr>
+            <a:xfrm>
+              <a:off x="914399" y="3689032"/>
+              <a:ext cx="514908" cy="202406"/>
             </a:xfrm>
             <a:prstGeom prst="rect">
               <a:avLst/>
@@ -3981,112 +4675,20 @@
                   <a:latin typeface="Arial"/>
                   <a:cs typeface="Arial"/>
                 </a:rPr>
-                <a:t>−$3,000</a:t>
+                <a:t>−$10</a:t>
               </a:r>
             </a:p>
           </p:txBody>
         </p:sp>
         <p:sp>
           <p:nvSpPr>
-            <p:cNvPr id="61" name="tx61"/>
-            <p:cNvSpPr/>
-            <p:nvPr/>
-          </p:nvSpPr>
-          <p:spPr>
-            <a:xfrm>
-              <a:off x="914400" y="3829924"/>
-              <a:ext cx="832693" cy="211137"/>
-            </a:xfrm>
-            <a:prstGeom prst="rect">
-              <a:avLst/>
-            </a:prstGeom>
-            <a:noFill/>
-          </p:spPr>
-          <p:txBody>
-            <a:bodyPr wrap="none" lIns="0" tIns="0" rIns="0" bIns="0" anchor="ctr" anchorCtr="true"/>
-            <a:lstStyle/>
-            <a:p>
-              <a:pPr marL="0" marR="0" indent="0" algn="l">
-                <a:lnSpc>
-                  <a:spcPts val="1800"/>
-                </a:lnSpc>
-                <a:spcBef>
-                  <a:spcPts val="0"/>
-                </a:spcBef>
-                <a:spcAft>
-                  <a:spcPts val="0"/>
-                </a:spcAft>
-              </a:pPr>
-              <a:r>
-                <a:rPr sz="1800">
-                  <a:solidFill>
-                    <a:srgbClr val="000000">
-                      <a:alpha val="100000"/>
-                    </a:srgbClr>
-                  </a:solidFill>
-                  <a:latin typeface="Arial"/>
-                  <a:cs typeface="Arial"/>
-                </a:rPr>
-                <a:t>−$2,000</a:t>
-              </a:r>
-            </a:p>
-          </p:txBody>
-        </p:sp>
-        <p:sp>
-          <p:nvSpPr>
-            <p:cNvPr id="62" name="tx62"/>
-            <p:cNvSpPr/>
-            <p:nvPr/>
-          </p:nvSpPr>
-          <p:spPr>
-            <a:xfrm>
-              <a:off x="914400" y="3014608"/>
-              <a:ext cx="832693" cy="211137"/>
-            </a:xfrm>
-            <a:prstGeom prst="rect">
-              <a:avLst/>
-            </a:prstGeom>
-            <a:noFill/>
-          </p:spPr>
-          <p:txBody>
-            <a:bodyPr wrap="none" lIns="0" tIns="0" rIns="0" bIns="0" anchor="ctr" anchorCtr="true"/>
-            <a:lstStyle/>
-            <a:p>
-              <a:pPr marL="0" marR="0" indent="0" algn="l">
-                <a:lnSpc>
-                  <a:spcPts val="1800"/>
-                </a:lnSpc>
-                <a:spcBef>
-                  <a:spcPts val="0"/>
-                </a:spcBef>
-                <a:spcAft>
-                  <a:spcPts val="0"/>
-                </a:spcAft>
-              </a:pPr>
-              <a:r>
-                <a:rPr sz="1800">
-                  <a:solidFill>
-                    <a:srgbClr val="000000">
-                      <a:alpha val="100000"/>
-                    </a:srgbClr>
-                  </a:solidFill>
-                  <a:latin typeface="Arial"/>
-                  <a:cs typeface="Arial"/>
-                </a:rPr>
-                <a:t>−$1,000</a:t>
-              </a:r>
-            </a:p>
-          </p:txBody>
-        </p:sp>
-        <p:sp>
-          <p:nvSpPr>
-            <p:cNvPr id="63" name="tx63"/>
-            <p:cNvSpPr/>
-            <p:nvPr/>
-          </p:nvSpPr>
-          <p:spPr>
-            <a:xfrm>
-              <a:off x="1492820" y="2208023"/>
+            <p:cNvPr id="89" name="tx89"/>
+            <p:cNvSpPr/>
+            <p:nvPr/>
+          </p:nvSpPr>
+          <p:spPr>
+            <a:xfrm>
+              <a:off x="1175035" y="2208023"/>
               <a:ext cx="254272" cy="202406"/>
             </a:xfrm>
             <a:prstGeom prst="rect">
@@ -4126,29 +4728,29 @@
         </p:sp>
         <p:sp>
           <p:nvSpPr>
-            <p:cNvPr id="64" name="pl64"/>
-            <p:cNvSpPr/>
-            <p:nvPr/>
-          </p:nvSpPr>
-          <p:spPr>
-            <a:xfrm>
-              <a:off x="1842934" y="6304859"/>
-              <a:ext cx="6021055" cy="0"/>
+            <p:cNvPr id="90" name="pl90"/>
+            <p:cNvSpPr/>
+            <p:nvPr/>
+          </p:nvSpPr>
+          <p:spPr>
+            <a:xfrm>
+              <a:off x="1525149" y="6304859"/>
+              <a:ext cx="5512621" cy="0"/>
             </a:xfrm>
             <a:custGeom>
               <a:avLst/>
               <a:pathLst>
-                <a:path w="6021055" h="0">
+                <a:path w="5512621" h="0">
                   <a:moveTo>
                     <a:pt x="0" y="0"/>
                   </a:moveTo>
                   <a:lnTo>
-                    <a:pt x="6021055" y="0"/>
+                    <a:pt x="5512621" y="0"/>
                   </a:lnTo>
                 </a:path>
               </a:pathLst>
             </a:custGeom>
-            <a:ln w="13550" cap="flat">
+            <a:ln w="27101" cap="flat">
               <a:solidFill>
                 <a:srgbClr val="000000">
                   <a:alpha val="100000"/>
@@ -4166,13 +4768,13 @@
         </p:sp>
         <p:sp>
           <p:nvSpPr>
-            <p:cNvPr id="65" name="pl65"/>
-            <p:cNvSpPr/>
-            <p:nvPr/>
-          </p:nvSpPr>
-          <p:spPr>
-            <a:xfrm>
-              <a:off x="2918320" y="6304859"/>
+            <p:cNvPr id="91" name="pl91"/>
+            <p:cNvSpPr/>
+            <p:nvPr/>
+          </p:nvSpPr>
+          <p:spPr>
+            <a:xfrm>
+              <a:off x="2509726" y="6304859"/>
               <a:ext cx="0" cy="50291"/>
             </a:xfrm>
             <a:custGeom>
@@ -4206,13 +4808,13 @@
         </p:sp>
         <p:sp>
           <p:nvSpPr>
-            <p:cNvPr id="66" name="pl66"/>
-            <p:cNvSpPr/>
-            <p:nvPr/>
-          </p:nvSpPr>
-          <p:spPr>
-            <a:xfrm>
-              <a:off x="4024115" y="6304859"/>
+            <p:cNvPr id="92" name="pl92"/>
+            <p:cNvSpPr/>
+            <p:nvPr/>
+          </p:nvSpPr>
+          <p:spPr>
+            <a:xfrm>
+              <a:off x="3522145" y="6304859"/>
               <a:ext cx="0" cy="50291"/>
             </a:xfrm>
             <a:custGeom>
@@ -4246,13 +4848,13 @@
         </p:sp>
         <p:sp>
           <p:nvSpPr>
-            <p:cNvPr id="67" name="pl67"/>
-            <p:cNvSpPr/>
-            <p:nvPr/>
-          </p:nvSpPr>
-          <p:spPr>
-            <a:xfrm>
-              <a:off x="5129911" y="6304859"/>
+            <p:cNvPr id="93" name="pl93"/>
+            <p:cNvSpPr/>
+            <p:nvPr/>
+          </p:nvSpPr>
+          <p:spPr>
+            <a:xfrm>
+              <a:off x="4534564" y="6304859"/>
               <a:ext cx="0" cy="50291"/>
             </a:xfrm>
             <a:custGeom>
@@ -4286,13 +4888,13 @@
         </p:sp>
         <p:sp>
           <p:nvSpPr>
-            <p:cNvPr id="68" name="pl68"/>
-            <p:cNvSpPr/>
-            <p:nvPr/>
-          </p:nvSpPr>
-          <p:spPr>
-            <a:xfrm>
-              <a:off x="6235706" y="6304859"/>
+            <p:cNvPr id="94" name="pl94"/>
+            <p:cNvSpPr/>
+            <p:nvPr/>
+          </p:nvSpPr>
+          <p:spPr>
+            <a:xfrm>
+              <a:off x="5546983" y="6304859"/>
               <a:ext cx="0" cy="50291"/>
             </a:xfrm>
             <a:custGeom>
@@ -4326,13 +4928,13 @@
         </p:sp>
         <p:sp>
           <p:nvSpPr>
-            <p:cNvPr id="69" name="pl69"/>
-            <p:cNvSpPr/>
-            <p:nvPr/>
-          </p:nvSpPr>
-          <p:spPr>
-            <a:xfrm>
-              <a:off x="7341501" y="6304859"/>
+            <p:cNvPr id="95" name="pl95"/>
+            <p:cNvSpPr/>
+            <p:nvPr/>
+          </p:nvSpPr>
+          <p:spPr>
+            <a:xfrm>
+              <a:off x="6559402" y="6304859"/>
               <a:ext cx="0" cy="50291"/>
             </a:xfrm>
             <a:custGeom>
@@ -4366,13 +4968,13 @@
         </p:sp>
         <p:sp>
           <p:nvSpPr>
-            <p:cNvPr id="70" name="tx70"/>
-            <p:cNvSpPr/>
-            <p:nvPr/>
-          </p:nvSpPr>
-          <p:spPr>
-            <a:xfrm>
-              <a:off x="2664047" y="6397327"/>
+            <p:cNvPr id="96" name="tx96"/>
+            <p:cNvSpPr/>
+            <p:nvPr/>
+          </p:nvSpPr>
+          <p:spPr>
+            <a:xfrm>
+              <a:off x="2255453" y="6397327"/>
               <a:ext cx="508545" cy="167084"/>
             </a:xfrm>
             <a:prstGeom prst="rect">
@@ -4412,13 +5014,13 @@
         </p:sp>
         <p:sp>
           <p:nvSpPr>
-            <p:cNvPr id="71" name="tx71"/>
-            <p:cNvSpPr/>
-            <p:nvPr/>
-          </p:nvSpPr>
-          <p:spPr>
-            <a:xfrm>
-              <a:off x="3769842" y="6397327"/>
+            <p:cNvPr id="97" name="tx97"/>
+            <p:cNvSpPr/>
+            <p:nvPr/>
+          </p:nvSpPr>
+          <p:spPr>
+            <a:xfrm>
+              <a:off x="3267872" y="6397327"/>
               <a:ext cx="508545" cy="167084"/>
             </a:xfrm>
             <a:prstGeom prst="rect">
@@ -4458,13 +5060,13 @@
         </p:sp>
         <p:sp>
           <p:nvSpPr>
-            <p:cNvPr id="72" name="tx72"/>
-            <p:cNvSpPr/>
-            <p:nvPr/>
-          </p:nvSpPr>
-          <p:spPr>
-            <a:xfrm>
-              <a:off x="4875638" y="6397327"/>
+            <p:cNvPr id="98" name="tx98"/>
+            <p:cNvSpPr/>
+            <p:nvPr/>
+          </p:nvSpPr>
+          <p:spPr>
+            <a:xfrm>
+              <a:off x="4280291" y="6397327"/>
               <a:ext cx="508545" cy="167084"/>
             </a:xfrm>
             <a:prstGeom prst="rect">
@@ -4504,13 +5106,13 @@
         </p:sp>
         <p:sp>
           <p:nvSpPr>
-            <p:cNvPr id="73" name="tx73"/>
-            <p:cNvSpPr/>
-            <p:nvPr/>
-          </p:nvSpPr>
-          <p:spPr>
-            <a:xfrm>
-              <a:off x="5981433" y="6397327"/>
+            <p:cNvPr id="99" name="tx99"/>
+            <p:cNvSpPr/>
+            <p:nvPr/>
+          </p:nvSpPr>
+          <p:spPr>
+            <a:xfrm>
+              <a:off x="5292710" y="6397327"/>
               <a:ext cx="508545" cy="167084"/>
             </a:xfrm>
             <a:prstGeom prst="rect">
@@ -4550,13 +5152,13 @@
         </p:sp>
         <p:sp>
           <p:nvSpPr>
-            <p:cNvPr id="74" name="tx74"/>
-            <p:cNvSpPr/>
-            <p:nvPr/>
-          </p:nvSpPr>
-          <p:spPr>
-            <a:xfrm>
-              <a:off x="7087228" y="6397327"/>
+            <p:cNvPr id="100" name="tx100"/>
+            <p:cNvSpPr/>
+            <p:nvPr/>
+          </p:nvSpPr>
+          <p:spPr>
+            <a:xfrm>
+              <a:off x="6305129" y="6397327"/>
               <a:ext cx="508545" cy="167084"/>
             </a:xfrm>
             <a:prstGeom prst="rect">
@@ -4596,13 +5198,13 @@
         </p:sp>
         <p:sp>
           <p:nvSpPr>
-            <p:cNvPr id="75" name="tx75"/>
-            <p:cNvSpPr/>
-            <p:nvPr/>
-          </p:nvSpPr>
-          <p:spPr>
-            <a:xfrm>
-              <a:off x="3684733" y="6691262"/>
+            <p:cNvPr id="101" name="tx101"/>
+            <p:cNvSpPr/>
+            <p:nvPr/>
+          </p:nvSpPr>
+          <p:spPr>
+            <a:xfrm>
+              <a:off x="3112731" y="6691262"/>
               <a:ext cx="2337457" cy="211732"/>
             </a:xfrm>
             <a:prstGeom prst="rect">
@@ -4642,35 +5244,35 @@
         </p:sp>
         <p:sp>
           <p:nvSpPr>
-            <p:cNvPr id="76" name="rc76"/>
-            <p:cNvSpPr/>
-            <p:nvPr/>
-          </p:nvSpPr>
-          <p:spPr>
-            <a:xfrm>
-              <a:off x="8007990" y="3414392"/>
-              <a:ext cx="994887" cy="1615302"/>
-            </a:xfrm>
-            <a:prstGeom prst="rect">
-              <a:avLst/>
-            </a:prstGeom>
-          </p:spPr>
-          <p:txBody>
-            <a:bodyPr/>
-            <a:lstStyle/>
-            <a:p/>
-          </p:txBody>
-        </p:sp>
-        <p:sp>
-          <p:nvSpPr>
-            <p:cNvPr id="77" name="tx77"/>
-            <p:cNvSpPr/>
-            <p:nvPr/>
-          </p:nvSpPr>
-          <p:spPr>
-            <a:xfrm>
-              <a:off x="8079990" y="3467143"/>
-              <a:ext cx="850887" cy="182959"/>
+            <p:cNvPr id="102" name="rc102"/>
+            <p:cNvSpPr/>
+            <p:nvPr/>
+          </p:nvSpPr>
+          <p:spPr>
+            <a:xfrm>
+              <a:off x="7181770" y="3037202"/>
+              <a:ext cx="1821106" cy="2369682"/>
+            </a:xfrm>
+            <a:prstGeom prst="rect">
+              <a:avLst/>
+            </a:prstGeom>
+          </p:spPr>
+          <p:txBody>
+            <a:bodyPr/>
+            <a:lstStyle/>
+            <a:p/>
+          </p:txBody>
+        </p:sp>
+        <p:sp>
+          <p:nvSpPr>
+            <p:cNvPr id="103" name="tx103"/>
+            <p:cNvSpPr/>
+            <p:nvPr/>
+          </p:nvSpPr>
+          <p:spPr>
+            <a:xfrm>
+              <a:off x="7253770" y="3106423"/>
+              <a:ext cx="1677106" cy="166489"/>
             </a:xfrm>
             <a:prstGeom prst="rect">
               <a:avLst/>
@@ -4702,20 +5304,20 @@
                   <a:latin typeface="Arial"/>
                   <a:cs typeface="Arial"/>
                 </a:rPr>
-                <a:t>Quintile</a:t>
+                <a:t>Income bracket</a:t>
               </a:r>
             </a:p>
           </p:txBody>
         </p:sp>
         <p:sp>
           <p:nvSpPr>
-            <p:cNvPr id="78" name="rc78"/>
-            <p:cNvSpPr/>
-            <p:nvPr/>
-          </p:nvSpPr>
-          <p:spPr>
-            <a:xfrm>
-              <a:off x="8079990" y="3700395"/>
+            <p:cNvPr id="104" name="rc104"/>
+            <p:cNvSpPr/>
+            <p:nvPr/>
+          </p:nvSpPr>
+          <p:spPr>
+            <a:xfrm>
+              <a:off x="7253770" y="3323205"/>
               <a:ext cx="251459" cy="251460"/>
             </a:xfrm>
             <a:prstGeom prst="rect">
@@ -4744,40 +5346,40 @@
         </p:sp>
         <p:sp>
           <p:nvSpPr>
-            <p:cNvPr id="79" name="rc79"/>
-            <p:cNvSpPr/>
-            <p:nvPr/>
-          </p:nvSpPr>
-          <p:spPr>
-            <a:xfrm>
-              <a:off x="8088990" y="3709395"/>
+            <p:cNvPr id="105" name="rc105"/>
+            <p:cNvSpPr/>
+            <p:nvPr/>
+          </p:nvSpPr>
+          <p:spPr>
+            <a:xfrm>
+              <a:off x="7262770" y="3332205"/>
               <a:ext cx="233460" cy="233459"/>
             </a:xfrm>
             <a:prstGeom prst="rect">
               <a:avLst/>
             </a:prstGeom>
             <a:solidFill>
-              <a:srgbClr val="FFE07F">
-                <a:alpha val="100000"/>
-              </a:srgbClr>
-            </a:solidFill>
-          </p:spPr>
-          <p:txBody>
-            <a:bodyPr/>
-            <a:lstStyle/>
-            <a:p/>
-          </p:txBody>
-        </p:sp>
-        <p:sp>
-          <p:nvSpPr>
-            <p:cNvPr id="80" name="rc80"/>
-            <p:cNvSpPr/>
-            <p:nvPr/>
-          </p:nvSpPr>
-          <p:spPr>
-            <a:xfrm>
-              <a:off x="8079990" y="3951855"/>
-              <a:ext cx="251459" cy="251459"/>
+              <a:srgbClr val="000000">
+                <a:alpha val="100000"/>
+              </a:srgbClr>
+            </a:solidFill>
+          </p:spPr>
+          <p:txBody>
+            <a:bodyPr/>
+            <a:lstStyle/>
+            <a:p/>
+          </p:txBody>
+        </p:sp>
+        <p:sp>
+          <p:nvSpPr>
+            <p:cNvPr id="106" name="rc106"/>
+            <p:cNvSpPr/>
+            <p:nvPr/>
+          </p:nvSpPr>
+          <p:spPr>
+            <a:xfrm>
+              <a:off x="7253770" y="3574665"/>
+              <a:ext cx="251459" cy="251460"/>
             </a:xfrm>
             <a:prstGeom prst="rect">
               <a:avLst/>
@@ -4805,40 +5407,40 @@
         </p:sp>
         <p:sp>
           <p:nvSpPr>
-            <p:cNvPr id="81" name="rc81"/>
-            <p:cNvSpPr/>
-            <p:nvPr/>
-          </p:nvSpPr>
-          <p:spPr>
-            <a:xfrm>
-              <a:off x="8088990" y="3960855"/>
+            <p:cNvPr id="107" name="rc107"/>
+            <p:cNvSpPr/>
+            <p:nvPr/>
+          </p:nvSpPr>
+          <p:spPr>
+            <a:xfrm>
+              <a:off x="7262770" y="3583665"/>
               <a:ext cx="233460" cy="233459"/>
             </a:xfrm>
             <a:prstGeom prst="rect">
               <a:avLst/>
             </a:prstGeom>
             <a:solidFill>
-              <a:srgbClr val="FFC35A">
-                <a:alpha val="100000"/>
-              </a:srgbClr>
-            </a:solidFill>
-          </p:spPr>
-          <p:txBody>
-            <a:bodyPr/>
-            <a:lstStyle/>
-            <a:p/>
-          </p:txBody>
-        </p:sp>
-        <p:sp>
-          <p:nvSpPr>
-            <p:cNvPr id="82" name="rc82"/>
-            <p:cNvSpPr/>
-            <p:nvPr/>
-          </p:nvSpPr>
-          <p:spPr>
-            <a:xfrm>
-              <a:off x="8079990" y="4203315"/>
-              <a:ext cx="251459" cy="251460"/>
+              <a:srgbClr val="6A737B">
+                <a:alpha val="100000"/>
+              </a:srgbClr>
+            </a:solidFill>
+          </p:spPr>
+          <p:txBody>
+            <a:bodyPr/>
+            <a:lstStyle/>
+            <a:p/>
+          </p:txBody>
+        </p:sp>
+        <p:sp>
+          <p:nvSpPr>
+            <p:cNvPr id="108" name="rc108"/>
+            <p:cNvSpPr/>
+            <p:nvPr/>
+          </p:nvSpPr>
+          <p:spPr>
+            <a:xfrm>
+              <a:off x="7253770" y="3826125"/>
+              <a:ext cx="251459" cy="251459"/>
             </a:xfrm>
             <a:prstGeom prst="rect">
               <a:avLst/>
@@ -4866,40 +5468,40 @@
         </p:sp>
         <p:sp>
           <p:nvSpPr>
-            <p:cNvPr id="83" name="rc83"/>
-            <p:cNvSpPr/>
-            <p:nvPr/>
-          </p:nvSpPr>
-          <p:spPr>
-            <a:xfrm>
-              <a:off x="8088990" y="4212315"/>
+            <p:cNvPr id="109" name="rc109"/>
+            <p:cNvSpPr/>
+            <p:nvPr/>
+          </p:nvSpPr>
+          <p:spPr>
+            <a:xfrm>
+              <a:off x="7262770" y="3835125"/>
               <a:ext cx="233460" cy="233459"/>
             </a:xfrm>
             <a:prstGeom prst="rect">
               <a:avLst/>
             </a:prstGeom>
             <a:solidFill>
-              <a:srgbClr val="F68B33">
-                <a:alpha val="100000"/>
-              </a:srgbClr>
-            </a:solidFill>
-          </p:spPr>
-          <p:txBody>
-            <a:bodyPr/>
-            <a:lstStyle/>
-            <a:p/>
-          </p:txBody>
-        </p:sp>
-        <p:sp>
-          <p:nvSpPr>
-            <p:cNvPr id="84" name="rc84"/>
-            <p:cNvSpPr/>
-            <p:nvPr/>
-          </p:nvSpPr>
-          <p:spPr>
-            <a:xfrm>
-              <a:off x="8079990" y="4454775"/>
-              <a:ext cx="251459" cy="251459"/>
+              <a:srgbClr val="621214">
+                <a:alpha val="100000"/>
+              </a:srgbClr>
+            </a:solidFill>
+          </p:spPr>
+          <p:txBody>
+            <a:bodyPr/>
+            <a:lstStyle/>
+            <a:p/>
+          </p:txBody>
+        </p:sp>
+        <p:sp>
+          <p:nvSpPr>
+            <p:cNvPr id="110" name="rc110"/>
+            <p:cNvSpPr/>
+            <p:nvPr/>
+          </p:nvSpPr>
+          <p:spPr>
+            <a:xfrm>
+              <a:off x="7253770" y="4077585"/>
+              <a:ext cx="251459" cy="251460"/>
             </a:xfrm>
             <a:prstGeom prst="rect">
               <a:avLst/>
@@ -4927,39 +5529,39 @@
         </p:sp>
         <p:sp>
           <p:nvSpPr>
-            <p:cNvPr id="85" name="rc85"/>
-            <p:cNvSpPr/>
-            <p:nvPr/>
-          </p:nvSpPr>
-          <p:spPr>
-            <a:xfrm>
-              <a:off x="8088990" y="4463775"/>
+            <p:cNvPr id="111" name="rc111"/>
+            <p:cNvSpPr/>
+            <p:nvPr/>
+          </p:nvSpPr>
+          <p:spPr>
+            <a:xfrm>
+              <a:off x="7262770" y="4086585"/>
               <a:ext cx="233460" cy="233459"/>
             </a:xfrm>
             <a:prstGeom prst="rect">
               <a:avLst/>
             </a:prstGeom>
             <a:solidFill>
-              <a:srgbClr val="D4582A">
-                <a:alpha val="100000"/>
-              </a:srgbClr>
-            </a:solidFill>
-          </p:spPr>
-          <p:txBody>
-            <a:bodyPr/>
-            <a:lstStyle/>
-            <a:p/>
-          </p:txBody>
-        </p:sp>
-        <p:sp>
-          <p:nvSpPr>
-            <p:cNvPr id="86" name="rc86"/>
-            <p:cNvSpPr/>
-            <p:nvPr/>
-          </p:nvSpPr>
-          <p:spPr>
-            <a:xfrm>
-              <a:off x="8079990" y="4706235"/>
+              <a:srgbClr val="A02226">
+                <a:alpha val="100000"/>
+              </a:srgbClr>
+            </a:solidFill>
+          </p:spPr>
+          <p:txBody>
+            <a:bodyPr/>
+            <a:lstStyle/>
+            <a:p/>
+          </p:txBody>
+        </p:sp>
+        <p:sp>
+          <p:nvSpPr>
+            <p:cNvPr id="112" name="rc112"/>
+            <p:cNvSpPr/>
+            <p:nvPr/>
+          </p:nvSpPr>
+          <p:spPr>
+            <a:xfrm>
+              <a:off x="7253770" y="4329045"/>
               <a:ext cx="251459" cy="251460"/>
             </a:xfrm>
             <a:prstGeom prst="rect">
@@ -4988,40 +5590,223 @@
         </p:sp>
         <p:sp>
           <p:nvSpPr>
-            <p:cNvPr id="87" name="rc87"/>
-            <p:cNvSpPr/>
-            <p:nvPr/>
-          </p:nvSpPr>
-          <p:spPr>
-            <a:xfrm>
-              <a:off x="8088990" y="4715235"/>
+            <p:cNvPr id="113" name="rc113"/>
+            <p:cNvSpPr/>
+            <p:nvPr/>
+          </p:nvSpPr>
+          <p:spPr>
+            <a:xfrm>
+              <a:off x="7262770" y="4338045"/>
               <a:ext cx="233460" cy="233459"/>
             </a:xfrm>
             <a:prstGeom prst="rect">
               <a:avLst/>
             </a:prstGeom>
             <a:solidFill>
-              <a:srgbClr val="A02226">
-                <a:alpha val="100000"/>
-              </a:srgbClr>
-            </a:solidFill>
-          </p:spPr>
-          <p:txBody>
-            <a:bodyPr/>
-            <a:lstStyle/>
-            <a:p/>
-          </p:txBody>
-        </p:sp>
-        <p:sp>
-          <p:nvSpPr>
-            <p:cNvPr id="88" name="tx88"/>
-            <p:cNvSpPr/>
-            <p:nvPr/>
-          </p:nvSpPr>
-          <p:spPr>
-            <a:xfrm>
-              <a:off x="8356596" y="3743674"/>
-              <a:ext cx="127136" cy="164306"/>
+              <a:srgbClr val="D4582A">
+                <a:alpha val="100000"/>
+              </a:srgbClr>
+            </a:solidFill>
+          </p:spPr>
+          <p:txBody>
+            <a:bodyPr/>
+            <a:lstStyle/>
+            <a:p/>
+          </p:txBody>
+        </p:sp>
+        <p:sp>
+          <p:nvSpPr>
+            <p:cNvPr id="114" name="rc114"/>
+            <p:cNvSpPr/>
+            <p:nvPr/>
+          </p:nvSpPr>
+          <p:spPr>
+            <a:xfrm>
+              <a:off x="7253770" y="4580505"/>
+              <a:ext cx="251459" cy="251459"/>
+            </a:xfrm>
+            <a:prstGeom prst="rect">
+              <a:avLst/>
+            </a:prstGeom>
+            <a:solidFill>
+              <a:srgbClr val="FFFFFF">
+                <a:alpha val="100000"/>
+              </a:srgbClr>
+            </a:solidFill>
+            <a:ln w="13550" cap="rnd">
+              <a:solidFill>
+                <a:srgbClr val="F0F0F0">
+                  <a:alpha val="100000"/>
+                </a:srgbClr>
+              </a:solidFill>
+              <a:prstDash val="solid"/>
+              <a:round/>
+            </a:ln>
+          </p:spPr>
+          <p:txBody>
+            <a:bodyPr/>
+            <a:lstStyle/>
+            <a:p/>
+          </p:txBody>
+        </p:sp>
+        <p:sp>
+          <p:nvSpPr>
+            <p:cNvPr id="115" name="rc115"/>
+            <p:cNvSpPr/>
+            <p:nvPr/>
+          </p:nvSpPr>
+          <p:spPr>
+            <a:xfrm>
+              <a:off x="7262770" y="4589505"/>
+              <a:ext cx="233460" cy="233459"/>
+            </a:xfrm>
+            <a:prstGeom prst="rect">
+              <a:avLst/>
+            </a:prstGeom>
+            <a:solidFill>
+              <a:srgbClr val="F68B33">
+                <a:alpha val="100000"/>
+              </a:srgbClr>
+            </a:solidFill>
+          </p:spPr>
+          <p:txBody>
+            <a:bodyPr/>
+            <a:lstStyle/>
+            <a:p/>
+          </p:txBody>
+        </p:sp>
+        <p:sp>
+          <p:nvSpPr>
+            <p:cNvPr id="116" name="rc116"/>
+            <p:cNvSpPr/>
+            <p:nvPr/>
+          </p:nvSpPr>
+          <p:spPr>
+            <a:xfrm>
+              <a:off x="7253770" y="4831965"/>
+              <a:ext cx="251459" cy="251460"/>
+            </a:xfrm>
+            <a:prstGeom prst="rect">
+              <a:avLst/>
+            </a:prstGeom>
+            <a:solidFill>
+              <a:srgbClr val="FFFFFF">
+                <a:alpha val="100000"/>
+              </a:srgbClr>
+            </a:solidFill>
+            <a:ln w="13550" cap="rnd">
+              <a:solidFill>
+                <a:srgbClr val="F0F0F0">
+                  <a:alpha val="100000"/>
+                </a:srgbClr>
+              </a:solidFill>
+              <a:prstDash val="solid"/>
+              <a:round/>
+            </a:ln>
+          </p:spPr>
+          <p:txBody>
+            <a:bodyPr/>
+            <a:lstStyle/>
+            <a:p/>
+          </p:txBody>
+        </p:sp>
+        <p:sp>
+          <p:nvSpPr>
+            <p:cNvPr id="117" name="rc117"/>
+            <p:cNvSpPr/>
+            <p:nvPr/>
+          </p:nvSpPr>
+          <p:spPr>
+            <a:xfrm>
+              <a:off x="7262770" y="4840965"/>
+              <a:ext cx="233460" cy="233459"/>
+            </a:xfrm>
+            <a:prstGeom prst="rect">
+              <a:avLst/>
+            </a:prstGeom>
+            <a:solidFill>
+              <a:srgbClr val="FFC35A">
+                <a:alpha val="100000"/>
+              </a:srgbClr>
+            </a:solidFill>
+          </p:spPr>
+          <p:txBody>
+            <a:bodyPr/>
+            <a:lstStyle/>
+            <a:p/>
+          </p:txBody>
+        </p:sp>
+        <p:sp>
+          <p:nvSpPr>
+            <p:cNvPr id="118" name="rc118"/>
+            <p:cNvSpPr/>
+            <p:nvPr/>
+          </p:nvSpPr>
+          <p:spPr>
+            <a:xfrm>
+              <a:off x="7253770" y="5083425"/>
+              <a:ext cx="251459" cy="251460"/>
+            </a:xfrm>
+            <a:prstGeom prst="rect">
+              <a:avLst/>
+            </a:prstGeom>
+            <a:solidFill>
+              <a:srgbClr val="FFFFFF">
+                <a:alpha val="100000"/>
+              </a:srgbClr>
+            </a:solidFill>
+            <a:ln w="13550" cap="rnd">
+              <a:solidFill>
+                <a:srgbClr val="F0F0F0">
+                  <a:alpha val="100000"/>
+                </a:srgbClr>
+              </a:solidFill>
+              <a:prstDash val="solid"/>
+              <a:round/>
+            </a:ln>
+          </p:spPr>
+          <p:txBody>
+            <a:bodyPr/>
+            <a:lstStyle/>
+            <a:p/>
+          </p:txBody>
+        </p:sp>
+        <p:sp>
+          <p:nvSpPr>
+            <p:cNvPr id="119" name="rc119"/>
+            <p:cNvSpPr/>
+            <p:nvPr/>
+          </p:nvSpPr>
+          <p:spPr>
+            <a:xfrm>
+              <a:off x="7262770" y="5092425"/>
+              <a:ext cx="233460" cy="233459"/>
+            </a:xfrm>
+            <a:prstGeom prst="rect">
+              <a:avLst/>
+            </a:prstGeom>
+            <a:solidFill>
+              <a:srgbClr val="FFE07F">
+                <a:alpha val="100000"/>
+              </a:srgbClr>
+            </a:solidFill>
+          </p:spPr>
+          <p:txBody>
+            <a:bodyPr/>
+            <a:lstStyle/>
+            <a:p/>
+          </p:txBody>
+        </p:sp>
+        <p:sp>
+          <p:nvSpPr>
+            <p:cNvPr id="120" name="tx120"/>
+            <p:cNvSpPr/>
+            <p:nvPr/>
+          </p:nvSpPr>
+          <p:spPr>
+            <a:xfrm>
+              <a:off x="7530376" y="3319653"/>
+              <a:ext cx="953467" cy="211137"/>
             </a:xfrm>
             <a:prstGeom prst="rect">
               <a:avLst/>
@@ -5053,21 +5838,21 @@
                   <a:latin typeface="Arial"/>
                   <a:cs typeface="Arial"/>
                 </a:rPr>
-                <a:t>1</a:t>
+                <a:t>$200,000</a:t>
               </a:r>
             </a:p>
           </p:txBody>
         </p:sp>
         <p:sp>
           <p:nvSpPr>
-            <p:cNvPr id="89" name="tx89"/>
-            <p:cNvSpPr/>
-            <p:nvPr/>
-          </p:nvSpPr>
-          <p:spPr>
-            <a:xfrm>
-              <a:off x="8356596" y="3995134"/>
-              <a:ext cx="127136" cy="164306"/>
+            <p:cNvPr id="121" name="tx121"/>
+            <p:cNvSpPr/>
+            <p:nvPr/>
+          </p:nvSpPr>
+          <p:spPr>
+            <a:xfrm>
+              <a:off x="7530376" y="3571113"/>
+              <a:ext cx="953467" cy="211137"/>
             </a:xfrm>
             <a:prstGeom prst="rect">
               <a:avLst/>
@@ -5099,21 +5884,21 @@
                   <a:latin typeface="Arial"/>
                   <a:cs typeface="Arial"/>
                 </a:rPr>
-                <a:t>2</a:t>
+                <a:t>$180,000</a:t>
               </a:r>
             </a:p>
           </p:txBody>
         </p:sp>
         <p:sp>
           <p:nvSpPr>
-            <p:cNvPr id="90" name="tx90"/>
-            <p:cNvSpPr/>
-            <p:nvPr/>
-          </p:nvSpPr>
-          <p:spPr>
-            <a:xfrm>
-              <a:off x="8356596" y="4243617"/>
-              <a:ext cx="127136" cy="167282"/>
+            <p:cNvPr id="122" name="tx122"/>
+            <p:cNvSpPr/>
+            <p:nvPr/>
+          </p:nvSpPr>
+          <p:spPr>
+            <a:xfrm>
+              <a:off x="7530376" y="3822573"/>
+              <a:ext cx="953467" cy="211137"/>
             </a:xfrm>
             <a:prstGeom prst="rect">
               <a:avLst/>
@@ -5145,21 +5930,21 @@
                   <a:latin typeface="Arial"/>
                   <a:cs typeface="Arial"/>
                 </a:rPr>
-                <a:t>3</a:t>
+                <a:t>$120,000</a:t>
               </a:r>
             </a:p>
           </p:txBody>
         </p:sp>
         <p:sp>
           <p:nvSpPr>
-            <p:cNvPr id="91" name="tx91"/>
-            <p:cNvSpPr/>
-            <p:nvPr/>
-          </p:nvSpPr>
-          <p:spPr>
-            <a:xfrm>
-              <a:off x="8356596" y="4498649"/>
-              <a:ext cx="127136" cy="163710"/>
+            <p:cNvPr id="123" name="tx123"/>
+            <p:cNvSpPr/>
+            <p:nvPr/>
+          </p:nvSpPr>
+          <p:spPr>
+            <a:xfrm>
+              <a:off x="7530376" y="4074033"/>
+              <a:ext cx="826330" cy="211137"/>
             </a:xfrm>
             <a:prstGeom prst="rect">
               <a:avLst/>
@@ -5191,21 +5976,21 @@
                   <a:latin typeface="Arial"/>
                   <a:cs typeface="Arial"/>
                 </a:rPr>
-                <a:t>4</a:t>
+                <a:t>$90,000</a:t>
               </a:r>
             </a:p>
           </p:txBody>
         </p:sp>
         <p:sp>
           <p:nvSpPr>
-            <p:cNvPr id="92" name="tx92"/>
-            <p:cNvSpPr/>
-            <p:nvPr/>
-          </p:nvSpPr>
-          <p:spPr>
-            <a:xfrm>
-              <a:off x="8356596" y="4749712"/>
-              <a:ext cx="127136" cy="164107"/>
+            <p:cNvPr id="124" name="tx124"/>
+            <p:cNvSpPr/>
+            <p:nvPr/>
+          </p:nvSpPr>
+          <p:spPr>
+            <a:xfrm>
+              <a:off x="7530376" y="4325493"/>
+              <a:ext cx="826330" cy="211137"/>
             </a:xfrm>
             <a:prstGeom prst="rect">
               <a:avLst/>
@@ -5237,20 +6022,158 @@
                   <a:latin typeface="Arial"/>
                   <a:cs typeface="Arial"/>
                 </a:rPr>
-                <a:t>5</a:t>
+                <a:t>$87,000</a:t>
               </a:r>
             </a:p>
           </p:txBody>
         </p:sp>
         <p:sp>
           <p:nvSpPr>
-            <p:cNvPr id="93" name="tx93"/>
-            <p:cNvSpPr/>
-            <p:nvPr/>
-          </p:nvSpPr>
-          <p:spPr>
-            <a:xfrm>
-              <a:off x="1842934" y="1883441"/>
+            <p:cNvPr id="125" name="tx125"/>
+            <p:cNvSpPr/>
+            <p:nvPr/>
+          </p:nvSpPr>
+          <p:spPr>
+            <a:xfrm>
+              <a:off x="7530376" y="4576953"/>
+              <a:ext cx="826330" cy="211137"/>
+            </a:xfrm>
+            <a:prstGeom prst="rect">
+              <a:avLst/>
+            </a:prstGeom>
+            <a:noFill/>
+          </p:spPr>
+          <p:txBody>
+            <a:bodyPr wrap="none" lIns="0" tIns="0" rIns="0" bIns="0" anchor="ctr" anchorCtr="true"/>
+            <a:lstStyle/>
+            <a:p>
+              <a:pPr marL="0" marR="0" indent="0" algn="l">
+                <a:lnSpc>
+                  <a:spcPts val="1800"/>
+                </a:lnSpc>
+                <a:spcBef>
+                  <a:spcPts val="0"/>
+                </a:spcBef>
+                <a:spcAft>
+                  <a:spcPts val="0"/>
+                </a:spcAft>
+              </a:pPr>
+              <a:r>
+                <a:rPr sz="1800">
+                  <a:solidFill>
+                    <a:srgbClr val="000000">
+                      <a:alpha val="100000"/>
+                    </a:srgbClr>
+                  </a:solidFill>
+                  <a:latin typeface="Arial"/>
+                  <a:cs typeface="Arial"/>
+                </a:rPr>
+                <a:t>$41,000</a:t>
+              </a:r>
+            </a:p>
+          </p:txBody>
+        </p:sp>
+        <p:sp>
+          <p:nvSpPr>
+            <p:cNvPr id="126" name="tx126"/>
+            <p:cNvSpPr/>
+            <p:nvPr/>
+          </p:nvSpPr>
+          <p:spPr>
+            <a:xfrm>
+              <a:off x="7530376" y="4828413"/>
+              <a:ext cx="826330" cy="211137"/>
+            </a:xfrm>
+            <a:prstGeom prst="rect">
+              <a:avLst/>
+            </a:prstGeom>
+            <a:noFill/>
+          </p:spPr>
+          <p:txBody>
+            <a:bodyPr wrap="none" lIns="0" tIns="0" rIns="0" bIns="0" anchor="ctr" anchorCtr="true"/>
+            <a:lstStyle/>
+            <a:p>
+              <a:pPr marL="0" marR="0" indent="0" algn="l">
+                <a:lnSpc>
+                  <a:spcPts val="1800"/>
+                </a:lnSpc>
+                <a:spcBef>
+                  <a:spcPts val="0"/>
+                </a:spcBef>
+                <a:spcAft>
+                  <a:spcPts val="0"/>
+                </a:spcAft>
+              </a:pPr>
+              <a:r>
+                <a:rPr sz="1800">
+                  <a:solidFill>
+                    <a:srgbClr val="000000">
+                      <a:alpha val="100000"/>
+                    </a:srgbClr>
+                  </a:solidFill>
+                  <a:latin typeface="Arial"/>
+                  <a:cs typeface="Arial"/>
+                </a:rPr>
+                <a:t>$37,000</a:t>
+              </a:r>
+            </a:p>
+          </p:txBody>
+        </p:sp>
+        <p:sp>
+          <p:nvSpPr>
+            <p:cNvPr id="127" name="tx127"/>
+            <p:cNvSpPr/>
+            <p:nvPr/>
+          </p:nvSpPr>
+          <p:spPr>
+            <a:xfrm>
+              <a:off x="7530376" y="5088604"/>
+              <a:ext cx="254272" cy="202406"/>
+            </a:xfrm>
+            <a:prstGeom prst="rect">
+              <a:avLst/>
+            </a:prstGeom>
+            <a:noFill/>
+          </p:spPr>
+          <p:txBody>
+            <a:bodyPr wrap="none" lIns="0" tIns="0" rIns="0" bIns="0" anchor="ctr" anchorCtr="true"/>
+            <a:lstStyle/>
+            <a:p>
+              <a:pPr marL="0" marR="0" indent="0" algn="l">
+                <a:lnSpc>
+                  <a:spcPts val="1800"/>
+                </a:lnSpc>
+                <a:spcBef>
+                  <a:spcPts val="0"/>
+                </a:spcBef>
+                <a:spcAft>
+                  <a:spcPts val="0"/>
+                </a:spcAft>
+              </a:pPr>
+              <a:r>
+                <a:rPr sz="1800">
+                  <a:solidFill>
+                    <a:srgbClr val="000000">
+                      <a:alpha val="100000"/>
+                    </a:srgbClr>
+                  </a:solidFill>
+                  <a:latin typeface="Arial"/>
+                  <a:cs typeface="Arial"/>
+                </a:rPr>
+                <a:t>$0</a:t>
+              </a:r>
+            </a:p>
+          </p:txBody>
+        </p:sp>
+        <p:sp>
+          <p:nvSpPr>
+            <p:cNvPr id="128" name="tx128"/>
+            <p:cNvSpPr/>
+            <p:nvPr/>
+          </p:nvSpPr>
+          <p:spPr>
+            <a:xfrm>
+              <a:off x="1525149" y="1883441"/>
               <a:ext cx="2604901" cy="211732"/>
             </a:xfrm>
             <a:prstGeom prst="rect">
